--- a/nlp-exploration-notebooks-main/nlp-exploration-notebooks-main/Results/NLP_Toolkit.pptx
+++ b/nlp-exploration-notebooks-main/nlp-exploration-notebooks-main/Results/NLP_Toolkit.pptx
@@ -5,30 +5,33 @@
     <p:sldMasterId id="2147483658" r:id="rId4"/>
   </p:sldMasterIdLst>
   <p:notesMasterIdLst>
-    <p:notesMasterId r:id="rId21"/>
+    <p:notesMasterId r:id="rId24"/>
   </p:notesMasterIdLst>
   <p:sldIdLst>
     <p:sldId id="258" r:id="rId5"/>
     <p:sldId id="271" r:id="rId6"/>
     <p:sldId id="269" r:id="rId7"/>
     <p:sldId id="257" r:id="rId8"/>
-    <p:sldId id="261" r:id="rId9"/>
-    <p:sldId id="262" r:id="rId10"/>
-    <p:sldId id="263" r:id="rId11"/>
-    <p:sldId id="264" r:id="rId12"/>
-    <p:sldId id="265" r:id="rId13"/>
-    <p:sldId id="266" r:id="rId14"/>
-    <p:sldId id="267" r:id="rId15"/>
-    <p:sldId id="268" r:id="rId16"/>
-    <p:sldId id="272" r:id="rId17"/>
-    <p:sldId id="273" r:id="rId18"/>
-    <p:sldId id="274" r:id="rId19"/>
-    <p:sldId id="275" r:id="rId20"/>
+    <p:sldId id="276" r:id="rId9"/>
+    <p:sldId id="261" r:id="rId10"/>
+    <p:sldId id="262" r:id="rId11"/>
+    <p:sldId id="263" r:id="rId12"/>
+    <p:sldId id="264" r:id="rId13"/>
+    <p:sldId id="265" r:id="rId14"/>
+    <p:sldId id="266" r:id="rId15"/>
+    <p:sldId id="277" r:id="rId16"/>
+    <p:sldId id="267" r:id="rId17"/>
+    <p:sldId id="268" r:id="rId18"/>
+    <p:sldId id="272" r:id="rId19"/>
+    <p:sldId id="278" r:id="rId20"/>
+    <p:sldId id="273" r:id="rId21"/>
+    <p:sldId id="274" r:id="rId22"/>
+    <p:sldId id="275" r:id="rId23"/>
   </p:sldIdLst>
   <p:sldSz cx="12192000" cy="6858000"/>
   <p:notesSz cx="6858000" cy="9144000"/>
   <p:custDataLst>
-    <p:tags r:id="rId22"/>
+    <p:tags r:id="rId25"/>
   </p:custDataLst>
   <p:defaultTextStyle>
     <a:defPPr>
@@ -218,7 +221,7 @@
           <a:p>
             <a:fld id="{BAFC0324-B0C5-4608-91F8-17689F723977}" type="datetimeFigureOut">
               <a:rPr lang="en-CA" smtClean="0"/>
-              <a:t>2022-08-29</a:t>
+              <a:t>2022-08-30</a:t>
             </a:fld>
             <a:endParaRPr lang="en-CA"/>
           </a:p>
@@ -3369,7 +3372,7 @@
         <p:spPr>
           <a:xfrm>
             <a:off x="558342" y="525380"/>
-            <a:ext cx="7626870" cy="507243"/>
+            <a:ext cx="6641447" cy="507243"/>
           </a:xfrm>
         </p:spPr>
         <p:txBody>
@@ -3385,7 +3388,7 @@
                 <a:ea typeface="Calibri" panose="020F0502020204030204" pitchFamily="34" charset="0"/>
                 <a:cs typeface="Times New Roman" panose="02020603050405020304" pitchFamily="18" charset="0"/>
               </a:rPr>
-              <a:t>Document summarization using pre-trained deep learning models</a:t>
+              <a:t>Sentiment analysis using pre-trained deep learning models</a:t>
             </a:r>
             <a:br>
               <a:rPr lang="en-CA" sz="1800" dirty="0">
@@ -3417,8 +3420,8 @@
         </p:nvSpPr>
         <p:spPr>
           <a:xfrm>
-            <a:off x="8256232" y="512763"/>
-            <a:ext cx="3395767" cy="519861"/>
+            <a:off x="7368466" y="512763"/>
+            <a:ext cx="4283534" cy="519861"/>
           </a:xfrm>
         </p:spPr>
         <p:txBody>
@@ -3427,11 +3430,8 @@
           <a:p>
             <a:r>
               <a:rPr lang="en-US" dirty="0"/>
-              <a:t>Function execution</a:t>
-            </a:r>
-            <a:endParaRPr lang="en-CA" dirty="0"/>
-          </a:p>
-          <a:p>
+              <a:t>Function output</a:t>
+            </a:r>
             <a:endParaRPr lang="en-CA" dirty="0"/>
           </a:p>
         </p:txBody>
@@ -3484,7 +3484,7 @@
         </p:nvSpPr>
         <p:spPr>
           <a:xfrm>
-            <a:off x="558343" y="1253331"/>
+            <a:off x="548378" y="1253331"/>
             <a:ext cx="11093656" cy="4351338"/>
           </a:xfrm>
         </p:spPr>
@@ -3503,340 +3503,123 @@
                 <a:latin typeface="+mj-lt"/>
                 <a:cs typeface="Arial" panose="020B0604020202020204" pitchFamily="34" charset="0"/>
               </a:rPr>
-              <a:t>Model: </a:t>
-            </a:r>
-            <a:r>
-              <a:rPr lang="en-CA" sz="2400" dirty="0" err="1">
+              <a:t>Data frame: </a:t>
+            </a:r>
+            <a:r>
+              <a:rPr lang="en-CA" sz="2400" b="1" dirty="0">
                 <a:solidFill>
                   <a:schemeClr val="accent5"/>
                 </a:solidFill>
                 <a:latin typeface="+mj-lt"/>
                 <a:cs typeface="Arial" panose="020B0604020202020204" pitchFamily="34" charset="0"/>
               </a:rPr>
-              <a:t>knkarthick</a:t>
-            </a:r>
-            <a:r>
-              <a:rPr lang="en-CA" sz="2400" dirty="0">
-                <a:solidFill>
-                  <a:schemeClr val="accent5"/>
-                </a:solidFill>
-                <a:latin typeface="+mj-lt"/>
-                <a:cs typeface="Arial" panose="020B0604020202020204" pitchFamily="34" charset="0"/>
-              </a:rPr>
-              <a:t>/MEETING_SUMMARY</a:t>
-            </a:r>
-          </a:p>
-          <a:p>
-            <a:pPr marL="0" marR="0" indent="0">
+              <a:t>Distilbert-base-uncased-finetuned-sst-2-english</a:t>
+            </a:r>
+          </a:p>
+          <a:p>
+            <a:pPr marL="0" indent="0">
               <a:buNone/>
             </a:pPr>
             <a:r>
-              <a:rPr lang="en-CA" sz="1800" dirty="0">
-                <a:solidFill>
-                  <a:srgbClr val="2A283C"/>
-                </a:solidFill>
-                <a:latin typeface="+mj-lt"/>
-                <a:cs typeface="Times New Roman" panose="02020603050405020304" pitchFamily="18" charset="0"/>
-              </a:rPr>
-              <a:t>Sample data and execution time: </a:t>
-            </a:r>
-          </a:p>
-          <a:p>
-            <a:r>
-              <a:rPr lang="en-US" sz="1800" b="0" dirty="0">
-                <a:solidFill>
-                  <a:srgbClr val="2A283C"/>
-                </a:solidFill>
-                <a:latin typeface="+mj-lt"/>
-                <a:cs typeface="Times New Roman" panose="02020603050405020304" pitchFamily="18" charset="0"/>
-              </a:rPr>
-              <a:t>Summarization for </a:t>
-            </a:r>
-            <a:r>
-              <a:rPr lang="en-US" sz="1800" b="0" u="sng" dirty="0">
-                <a:solidFill>
-                  <a:srgbClr val="2A283C"/>
-                </a:solidFill>
-                <a:latin typeface="+mj-lt"/>
-                <a:cs typeface="Times New Roman" panose="02020603050405020304" pitchFamily="18" charset="0"/>
-              </a:rPr>
-              <a:t>2021-08-23 Doris Paquin (Spectrum) meeting notes.docx</a:t>
-            </a:r>
-            <a:r>
-              <a:rPr lang="en-US" sz="1800" b="0" dirty="0">
-                <a:solidFill>
-                  <a:srgbClr val="2A283C"/>
-                </a:solidFill>
-                <a:latin typeface="+mj-lt"/>
-                <a:cs typeface="Times New Roman" panose="02020603050405020304" pitchFamily="18" charset="0"/>
-              </a:rPr>
-              <a:t> completed in </a:t>
-            </a:r>
-            <a:r>
-              <a:rPr lang="en-US" sz="1800" b="0" dirty="0">
-                <a:solidFill>
-                  <a:srgbClr val="2A283C"/>
-                </a:solidFill>
-                <a:highlight>
-                  <a:srgbClr val="FFFF00"/>
-                </a:highlight>
-                <a:latin typeface="+mj-lt"/>
-                <a:cs typeface="Times New Roman" panose="02020603050405020304" pitchFamily="18" charset="0"/>
-              </a:rPr>
-              <a:t>5.20 seconds</a:t>
-            </a:r>
-          </a:p>
-          <a:p>
-            <a:r>
-              <a:rPr lang="en-US" sz="1800" b="0" dirty="0">
-                <a:solidFill>
-                  <a:srgbClr val="2A283C"/>
-                </a:solidFill>
-                <a:latin typeface="+mj-lt"/>
-                <a:cs typeface="Times New Roman" panose="02020603050405020304" pitchFamily="18" charset="0"/>
-              </a:rPr>
-              <a:t>Summarization for </a:t>
-            </a:r>
-            <a:r>
-              <a:rPr lang="en-US" sz="1800" b="0" u="sng" dirty="0">
-                <a:solidFill>
-                  <a:srgbClr val="2A283C"/>
-                </a:solidFill>
-                <a:latin typeface="+mj-lt"/>
-                <a:cs typeface="Times New Roman" panose="02020603050405020304" pitchFamily="18" charset="0"/>
-              </a:rPr>
-              <a:t>ICT-ACR meeting notes 2020-11-12.docx</a:t>
-            </a:r>
-            <a:r>
-              <a:rPr lang="en-US" sz="1800" b="0" dirty="0">
-                <a:solidFill>
-                  <a:srgbClr val="2A283C"/>
-                </a:solidFill>
-                <a:latin typeface="+mj-lt"/>
-                <a:cs typeface="Times New Roman" panose="02020603050405020304" pitchFamily="18" charset="0"/>
-              </a:rPr>
-              <a:t> completed in </a:t>
-            </a:r>
-            <a:r>
-              <a:rPr lang="en-US" sz="1800" b="0" dirty="0">
-                <a:solidFill>
-                  <a:srgbClr val="2A283C"/>
-                </a:solidFill>
-                <a:highlight>
-                  <a:srgbClr val="FFFF00"/>
-                </a:highlight>
-                <a:latin typeface="+mj-lt"/>
-                <a:cs typeface="Times New Roman" panose="02020603050405020304" pitchFamily="18" charset="0"/>
-              </a:rPr>
-              <a:t>5.82 seconds</a:t>
-            </a:r>
-            <a:endParaRPr lang="en-CA" sz="1800" b="0" dirty="0">
-              <a:solidFill>
-                <a:srgbClr val="2A283C"/>
-              </a:solidFill>
-              <a:highlight>
-                <a:srgbClr val="FFFF00"/>
-              </a:highlight>
-              <a:latin typeface="+mj-lt"/>
-              <a:cs typeface="Times New Roman" panose="02020603050405020304" pitchFamily="18" charset="0"/>
-            </a:endParaRPr>
-          </a:p>
-          <a:p>
-            <a:r>
-              <a:rPr lang="en-US" sz="1800" b="0" dirty="0">
-                <a:solidFill>
-                  <a:srgbClr val="2A283C"/>
-                </a:solidFill>
-                <a:latin typeface="+mj-lt"/>
-                <a:cs typeface="Times New Roman" panose="02020603050405020304" pitchFamily="18" charset="0"/>
-              </a:rPr>
-              <a:t>Summarization for </a:t>
-            </a:r>
-            <a:r>
-              <a:rPr lang="en-US" sz="1800" b="0" u="sng" dirty="0">
-                <a:solidFill>
-                  <a:srgbClr val="2A283C"/>
-                </a:solidFill>
-                <a:latin typeface="+mj-lt"/>
-                <a:cs typeface="Times New Roman" panose="02020603050405020304" pitchFamily="18" charset="0"/>
-              </a:rPr>
-              <a:t>2020-11-16 GSA USAB meeting notes.docx</a:t>
-            </a:r>
-            <a:r>
-              <a:rPr lang="en-US" sz="1800" b="0" dirty="0">
-                <a:solidFill>
-                  <a:srgbClr val="2A283C"/>
-                </a:solidFill>
-                <a:latin typeface="+mj-lt"/>
-                <a:cs typeface="Times New Roman" panose="02020603050405020304" pitchFamily="18" charset="0"/>
-              </a:rPr>
-              <a:t> completed in </a:t>
-            </a:r>
-            <a:r>
-              <a:rPr lang="en-US" sz="1800" b="0" dirty="0">
-                <a:solidFill>
-                  <a:srgbClr val="2A283C"/>
-                </a:solidFill>
-                <a:highlight>
-                  <a:srgbClr val="FFFF00"/>
-                </a:highlight>
-                <a:latin typeface="+mj-lt"/>
-                <a:cs typeface="Times New Roman" panose="02020603050405020304" pitchFamily="18" charset="0"/>
-              </a:rPr>
-              <a:t>10.81 seconds</a:t>
-            </a:r>
-          </a:p>
-          <a:p>
-            <a:r>
-              <a:rPr lang="en-US" sz="1800" b="0" dirty="0">
-                <a:solidFill>
-                  <a:srgbClr val="2A283C"/>
-                </a:solidFill>
-                <a:latin typeface="+mj-lt"/>
-                <a:cs typeface="Times New Roman" panose="02020603050405020304" pitchFamily="18" charset="0"/>
-              </a:rPr>
-              <a:t>Summarization for </a:t>
-            </a:r>
-            <a:r>
-              <a:rPr lang="en-US" sz="1800" b="0" u="sng" dirty="0" err="1">
-                <a:solidFill>
-                  <a:srgbClr val="2A283C"/>
-                </a:solidFill>
-                <a:latin typeface="+mj-lt"/>
-                <a:cs typeface="Times New Roman" panose="02020603050405020304" pitchFamily="18" charset="0"/>
-              </a:rPr>
-              <a:t>ebidm-dsai</a:t>
-            </a:r>
-            <a:r>
-              <a:rPr lang="en-US" sz="1800" b="0" u="sng" dirty="0">
-                <a:solidFill>
-                  <a:srgbClr val="2A283C"/>
-                </a:solidFill>
-                <a:latin typeface="+mj-lt"/>
-                <a:cs typeface="Times New Roman" panose="02020603050405020304" pitchFamily="18" charset="0"/>
-              </a:rPr>
-              <a:t> meeting notes 2022-01-21.docx</a:t>
-            </a:r>
-            <a:r>
-              <a:rPr lang="en-US" sz="1800" b="0" dirty="0">
-                <a:solidFill>
-                  <a:srgbClr val="2A283C"/>
-                </a:solidFill>
-                <a:latin typeface="+mj-lt"/>
-                <a:cs typeface="Times New Roman" panose="02020603050405020304" pitchFamily="18" charset="0"/>
-              </a:rPr>
-              <a:t> completed in </a:t>
-            </a:r>
-            <a:r>
-              <a:rPr lang="en-US" sz="1800" b="0" dirty="0">
-                <a:solidFill>
-                  <a:srgbClr val="2A283C"/>
-                </a:solidFill>
-                <a:highlight>
-                  <a:srgbClr val="FFFF00"/>
-                </a:highlight>
-                <a:latin typeface="+mj-lt"/>
-                <a:cs typeface="Times New Roman" panose="02020603050405020304" pitchFamily="18" charset="0"/>
-              </a:rPr>
-              <a:t>9.10 seconds</a:t>
-            </a:r>
-          </a:p>
-          <a:p>
-            <a:r>
-              <a:rPr lang="en-US" sz="1800" b="0" dirty="0">
-                <a:solidFill>
-                  <a:srgbClr val="2A283C"/>
-                </a:solidFill>
-                <a:latin typeface="+mj-lt"/>
-                <a:cs typeface="Times New Roman" panose="02020603050405020304" pitchFamily="18" charset="0"/>
-              </a:rPr>
-              <a:t>Summarization for </a:t>
-            </a:r>
-            <a:r>
-              <a:rPr lang="en-US" sz="1800" b="0" u="sng" dirty="0">
-                <a:solidFill>
-                  <a:srgbClr val="2A283C"/>
-                </a:solidFill>
-                <a:latin typeface="+mj-lt"/>
-                <a:cs typeface="Times New Roman" panose="02020603050405020304" pitchFamily="18" charset="0"/>
-              </a:rPr>
-              <a:t>2022-06-15 Onyx demo from Curtis ONeil.txt</a:t>
-            </a:r>
-            <a:r>
-              <a:rPr lang="en-US" sz="1800" b="0" dirty="0">
-                <a:solidFill>
-                  <a:srgbClr val="2A283C"/>
-                </a:solidFill>
-                <a:latin typeface="+mj-lt"/>
-                <a:cs typeface="Times New Roman" panose="02020603050405020304" pitchFamily="18" charset="0"/>
-              </a:rPr>
-              <a:t> completed in </a:t>
-            </a:r>
-            <a:r>
-              <a:rPr lang="en-US" sz="1800" b="0" dirty="0">
-                <a:solidFill>
-                  <a:srgbClr val="2A283C"/>
-                </a:solidFill>
-                <a:highlight>
-                  <a:srgbClr val="FFFF00"/>
-                </a:highlight>
-                <a:latin typeface="+mj-lt"/>
-                <a:cs typeface="Times New Roman" panose="02020603050405020304" pitchFamily="18" charset="0"/>
-              </a:rPr>
-              <a:t>2.96 seconds</a:t>
-            </a:r>
-          </a:p>
-          <a:p>
-            <a:r>
-              <a:rPr lang="en-US" sz="1800" b="0" dirty="0">
-                <a:solidFill>
-                  <a:srgbClr val="2A283C"/>
-                </a:solidFill>
-                <a:latin typeface="+mj-lt"/>
-                <a:cs typeface="Times New Roman" panose="02020603050405020304" pitchFamily="18" charset="0"/>
-              </a:rPr>
-              <a:t>Summarization for </a:t>
-            </a:r>
-            <a:r>
-              <a:rPr lang="en-US" sz="1800" b="0" u="sng" dirty="0">
-                <a:solidFill>
-                  <a:srgbClr val="2A283C"/>
-                </a:solidFill>
-                <a:latin typeface="+mj-lt"/>
-                <a:cs typeface="Times New Roman" panose="02020603050405020304" pitchFamily="18" charset="0"/>
-              </a:rPr>
-              <a:t>2021-10-15 ESD assumptions meeting notes.txt</a:t>
-            </a:r>
-            <a:r>
-              <a:rPr lang="en-US" sz="1800" b="0" dirty="0">
-                <a:solidFill>
-                  <a:srgbClr val="2A283C"/>
-                </a:solidFill>
-                <a:latin typeface="+mj-lt"/>
-                <a:cs typeface="Times New Roman" panose="02020603050405020304" pitchFamily="18" charset="0"/>
-              </a:rPr>
-              <a:t> completed in </a:t>
-            </a:r>
-            <a:r>
-              <a:rPr lang="en-US" sz="1800" b="0" dirty="0">
-                <a:solidFill>
-                  <a:srgbClr val="2A283C"/>
-                </a:solidFill>
-                <a:highlight>
-                  <a:srgbClr val="FFFF00"/>
-                </a:highlight>
-                <a:latin typeface="+mj-lt"/>
-                <a:cs typeface="Times New Roman" panose="02020603050405020304" pitchFamily="18" charset="0"/>
-              </a:rPr>
-              <a:t>2.03 seconds</a:t>
-            </a:r>
-          </a:p>
-        </p:txBody>
-      </p:sp>
+              <a:rPr lang="en-CA" sz="2400" dirty="0">
+                <a:solidFill>
+                  <a:schemeClr val="accent5"/>
+                </a:solidFill>
+                <a:latin typeface="+mj-lt"/>
+                <a:cs typeface="Arial" panose="020B0604020202020204" pitchFamily="34" charset="0"/>
+              </a:rPr>
+              <a:t> </a:t>
+            </a:r>
+            <a:endParaRPr lang="en-CA" dirty="0"/>
+          </a:p>
+        </p:txBody>
+      </p:sp>
+      <p:sp>
+        <p:nvSpPr>
+          <p:cNvPr id="12" name="TextBox 11">
+            <a:extLst>
+              <a:ext uri="{FF2B5EF4-FFF2-40B4-BE49-F238E27FC236}">
+                <a16:creationId xmlns:a16="http://schemas.microsoft.com/office/drawing/2014/main" id="{E29F2837-4172-42D1-805E-0E22115B6E76}"/>
+              </a:ext>
+            </a:extLst>
+          </p:cNvPr>
+          <p:cNvSpPr txBox="1"/>
+          <p:nvPr/>
+        </p:nvSpPr>
+        <p:spPr>
+          <a:xfrm>
+            <a:off x="5376113" y="6082285"/>
+            <a:ext cx="1220680" cy="341632"/>
+          </a:xfrm>
+          <a:prstGeom prst="rect">
+            <a:avLst/>
+          </a:prstGeom>
+          <a:noFill/>
+        </p:spPr>
+        <p:txBody>
+          <a:bodyPr wrap="square">
+            <a:spAutoFit/>
+          </a:bodyPr>
+          <a:lstStyle/>
+          <a:p>
+            <a:pPr>
+              <a:lnSpc>
+                <a:spcPct val="90000"/>
+              </a:lnSpc>
+              <a:spcBef>
+                <a:spcPts val="1000"/>
+              </a:spcBef>
+              <a:spcAft>
+                <a:spcPts val="1200"/>
+              </a:spcAft>
+            </a:pPr>
+            <a:r>
+              <a:rPr lang="en-CA" i="1" dirty="0">
+                <a:solidFill>
+                  <a:srgbClr val="515068"/>
+                </a:solidFill>
+                <a:latin typeface="+mj-lt"/>
+                <a:cs typeface="Times New Roman" panose="02020603050405020304" pitchFamily="18" charset="0"/>
+              </a:rPr>
+              <a:t>Figure 6</a:t>
+            </a:r>
+          </a:p>
+        </p:txBody>
+      </p:sp>
+      <p:pic>
+        <p:nvPicPr>
+          <p:cNvPr id="13" name="Picture 12">
+            <a:extLst>
+              <a:ext uri="{FF2B5EF4-FFF2-40B4-BE49-F238E27FC236}">
+                <a16:creationId xmlns:a16="http://schemas.microsoft.com/office/drawing/2014/main" id="{632EFCF0-8E4D-42E1-8F55-0972C082058E}"/>
+              </a:ext>
+            </a:extLst>
+          </p:cNvPr>
+          <p:cNvPicPr>
+            <a:picLocks noChangeAspect="1"/>
+          </p:cNvPicPr>
+          <p:nvPr/>
+        </p:nvPicPr>
+        <p:blipFill>
+          <a:blip r:embed="rId2"/>
+          <a:stretch>
+            <a:fillRect/>
+          </a:stretch>
+        </p:blipFill>
+        <p:spPr>
+          <a:xfrm>
+            <a:off x="3621337" y="1823727"/>
+            <a:ext cx="4730232" cy="4134813"/>
+          </a:xfrm>
+          <a:prstGeom prst="rect">
+            <a:avLst/>
+          </a:prstGeom>
+        </p:spPr>
+      </p:pic>
     </p:spTree>
     <p:extLst>
       <p:ext uri="{BB962C8B-B14F-4D97-AF65-F5344CB8AC3E}">
-        <p14:creationId xmlns:p14="http://schemas.microsoft.com/office/powerpoint/2010/main" val="3050202143"/>
+        <p14:creationId xmlns:p14="http://schemas.microsoft.com/office/powerpoint/2010/main" val="1068677944"/>
       </p:ext>
     </p:extLst>
   </p:cSld>
@@ -3882,7 +3665,7 @@
         <p:spPr>
           <a:xfrm>
             <a:off x="558342" y="525380"/>
-            <a:ext cx="7316151" cy="507243"/>
+            <a:ext cx="7626870" cy="507243"/>
           </a:xfrm>
         </p:spPr>
         <p:txBody>
@@ -3892,7 +3675,7 @@
           <a:lstStyle/>
           <a:p>
             <a:r>
-              <a:rPr lang="en-US" sz="2200" b="1" dirty="0">
+              <a:rPr lang="en-CA" sz="2200" b="1" dirty="0">
                 <a:effectLst/>
                 <a:latin typeface="Times New Roman" panose="02020603050405020304" pitchFamily="18" charset="0"/>
                 <a:ea typeface="Calibri" panose="020F0502020204030204" pitchFamily="34" charset="0"/>
@@ -3930,8 +3713,8 @@
         </p:nvSpPr>
         <p:spPr>
           <a:xfrm>
-            <a:off x="7368466" y="512763"/>
-            <a:ext cx="4283534" cy="519861"/>
+            <a:off x="8256232" y="512763"/>
+            <a:ext cx="3395767" cy="519861"/>
           </a:xfrm>
         </p:spPr>
         <p:txBody>
@@ -3940,8 +3723,11 @@
           <a:p>
             <a:r>
               <a:rPr lang="en-US" dirty="0"/>
-              <a:t>Function output</a:t>
-            </a:r>
+              <a:t>Function execution</a:t>
+            </a:r>
+            <a:endParaRPr lang="en-CA" dirty="0"/>
+          </a:p>
+          <a:p>
             <a:endParaRPr lang="en-CA" dirty="0"/>
           </a:p>
         </p:txBody>
@@ -3994,7 +3780,7 @@
         </p:nvSpPr>
         <p:spPr>
           <a:xfrm>
-            <a:off x="548378" y="1253331"/>
+            <a:off x="558343" y="1253331"/>
             <a:ext cx="11093656" cy="4351338"/>
           </a:xfrm>
         </p:spPr>
@@ -4013,7 +3799,7 @@
                 <a:latin typeface="+mj-lt"/>
                 <a:cs typeface="Arial" panose="020B0604020202020204" pitchFamily="34" charset="0"/>
               </a:rPr>
-              <a:t>Summarization output: </a:t>
+              <a:t>Model: </a:t>
             </a:r>
             <a:r>
               <a:rPr lang="en-CA" sz="2400" dirty="0" err="1">
@@ -4037,101 +3823,308 @@
             </a:r>
           </a:p>
           <a:p>
-            <a:pPr marL="0" indent="0">
+            <a:pPr marL="0" marR="0" indent="0">
               <a:buNone/>
             </a:pPr>
             <a:r>
-              <a:rPr lang="en-CA" sz="2400" dirty="0">
-                <a:solidFill>
-                  <a:schemeClr val="accent5"/>
-                </a:solidFill>
-                <a:latin typeface="+mj-lt"/>
-                <a:cs typeface="Arial" panose="020B0604020202020204" pitchFamily="34" charset="0"/>
-              </a:rPr>
-              <a:t>  </a:t>
-            </a:r>
-            <a:endParaRPr lang="en-CA" dirty="0"/>
-          </a:p>
-        </p:txBody>
-      </p:sp>
-      <p:pic>
-        <p:nvPicPr>
-          <p:cNvPr id="5" name="Picture 4">
-            <a:extLst>
-              <a:ext uri="{FF2B5EF4-FFF2-40B4-BE49-F238E27FC236}">
-                <a16:creationId xmlns:a16="http://schemas.microsoft.com/office/drawing/2014/main" id="{FB43142E-3779-4C81-8E3C-FA97668F79CB}"/>
-              </a:ext>
-            </a:extLst>
-          </p:cNvPr>
-          <p:cNvPicPr>
-            <a:picLocks noChangeAspect="1"/>
-          </p:cNvPicPr>
-          <p:nvPr/>
-        </p:nvPicPr>
-        <p:blipFill>
-          <a:blip r:embed="rId2"/>
-          <a:stretch>
-            <a:fillRect/>
-          </a:stretch>
-        </p:blipFill>
-        <p:spPr>
-          <a:xfrm>
-            <a:off x="1819331" y="1868506"/>
-            <a:ext cx="8551748" cy="4184509"/>
-          </a:xfrm>
-          <a:prstGeom prst="rect">
-            <a:avLst/>
-          </a:prstGeom>
-        </p:spPr>
-      </p:pic>
-      <p:sp>
-        <p:nvSpPr>
-          <p:cNvPr id="14" name="TextBox 13">
-            <a:extLst>
-              <a:ext uri="{FF2B5EF4-FFF2-40B4-BE49-F238E27FC236}">
-                <a16:creationId xmlns:a16="http://schemas.microsoft.com/office/drawing/2014/main" id="{C5BF3BF0-4A5A-493F-BD08-4258A52533F4}"/>
-              </a:ext>
-            </a:extLst>
-          </p:cNvPr>
-          <p:cNvSpPr txBox="1"/>
-          <p:nvPr/>
-        </p:nvSpPr>
-        <p:spPr>
-          <a:xfrm>
-            <a:off x="5484865" y="6024826"/>
-            <a:ext cx="1220680" cy="341632"/>
-          </a:xfrm>
-          <a:prstGeom prst="rect">
-            <a:avLst/>
-          </a:prstGeom>
-          <a:noFill/>
-        </p:spPr>
-        <p:txBody>
-          <a:bodyPr wrap="square">
-            <a:spAutoFit/>
-          </a:bodyPr>
-          <a:lstStyle/>
-          <a:p>
-            <a:pPr>
-              <a:lnSpc>
-                <a:spcPct val="90000"/>
-              </a:lnSpc>
-              <a:spcBef>
-                <a:spcPts val="1000"/>
-              </a:spcBef>
-              <a:spcAft>
-                <a:spcPts val="1200"/>
-              </a:spcAft>
-            </a:pPr>
-            <a:r>
-              <a:rPr lang="en-CA" i="1" dirty="0">
-                <a:solidFill>
-                  <a:srgbClr val="515068"/>
-                </a:solidFill>
-                <a:latin typeface="+mj-lt"/>
-                <a:cs typeface="Times New Roman" panose="02020603050405020304" pitchFamily="18" charset="0"/>
-              </a:rPr>
-              <a:t>Figure 7</a:t>
+              <a:rPr lang="en-CA" sz="1800" dirty="0">
+                <a:solidFill>
+                  <a:srgbClr val="2A283C"/>
+                </a:solidFill>
+                <a:latin typeface="+mj-lt"/>
+                <a:cs typeface="Times New Roman" panose="02020603050405020304" pitchFamily="18" charset="0"/>
+              </a:rPr>
+              <a:t>Sample data and execution time: </a:t>
+            </a:r>
+          </a:p>
+          <a:p>
+            <a:r>
+              <a:rPr lang="en-US" sz="1800" b="0" dirty="0">
+                <a:solidFill>
+                  <a:srgbClr val="2A283C"/>
+                </a:solidFill>
+                <a:latin typeface="+mj-lt"/>
+                <a:cs typeface="Times New Roman" panose="02020603050405020304" pitchFamily="18" charset="0"/>
+              </a:rPr>
+              <a:t>Summarization for </a:t>
+            </a:r>
+            <a:r>
+              <a:rPr lang="en-US" sz="1800" b="0" u="sng" dirty="0">
+                <a:solidFill>
+                  <a:srgbClr val="2A283C"/>
+                </a:solidFill>
+                <a:latin typeface="+mj-lt"/>
+                <a:cs typeface="Times New Roman" panose="02020603050405020304" pitchFamily="18" charset="0"/>
+              </a:rPr>
+              <a:t>2021-08-23 Doris Paquin (Spectrum) meeting notes.docx</a:t>
+            </a:r>
+            <a:r>
+              <a:rPr lang="en-US" sz="1800" b="0" dirty="0">
+                <a:solidFill>
+                  <a:srgbClr val="2A283C"/>
+                </a:solidFill>
+                <a:latin typeface="+mj-lt"/>
+                <a:cs typeface="Times New Roman" panose="02020603050405020304" pitchFamily="18" charset="0"/>
+              </a:rPr>
+              <a:t> completed in </a:t>
+            </a:r>
+            <a:r>
+              <a:rPr lang="en-US" sz="1800" b="0" dirty="0">
+                <a:solidFill>
+                  <a:srgbClr val="2A283C"/>
+                </a:solidFill>
+                <a:highlight>
+                  <a:srgbClr val="FFFF00"/>
+                </a:highlight>
+                <a:latin typeface="+mj-lt"/>
+                <a:cs typeface="Times New Roman" panose="02020603050405020304" pitchFamily="18" charset="0"/>
+              </a:rPr>
+              <a:t>5.20 seconds</a:t>
+            </a:r>
+          </a:p>
+          <a:p>
+            <a:r>
+              <a:rPr lang="en-US" sz="1800" b="0" dirty="0">
+                <a:solidFill>
+                  <a:srgbClr val="2A283C"/>
+                </a:solidFill>
+                <a:latin typeface="+mj-lt"/>
+                <a:cs typeface="Times New Roman" panose="02020603050405020304" pitchFamily="18" charset="0"/>
+              </a:rPr>
+              <a:t>Summarization for </a:t>
+            </a:r>
+            <a:r>
+              <a:rPr lang="en-US" sz="1800" b="0" u="sng" dirty="0">
+                <a:solidFill>
+                  <a:srgbClr val="2A283C"/>
+                </a:solidFill>
+                <a:latin typeface="+mj-lt"/>
+                <a:cs typeface="Times New Roman" panose="02020603050405020304" pitchFamily="18" charset="0"/>
+              </a:rPr>
+              <a:t>ICT-ACR meeting notes 2020-11-12.docx</a:t>
+            </a:r>
+            <a:r>
+              <a:rPr lang="en-US" sz="1800" b="0" dirty="0">
+                <a:solidFill>
+                  <a:srgbClr val="2A283C"/>
+                </a:solidFill>
+                <a:latin typeface="+mj-lt"/>
+                <a:cs typeface="Times New Roman" panose="02020603050405020304" pitchFamily="18" charset="0"/>
+              </a:rPr>
+              <a:t> completed in </a:t>
+            </a:r>
+            <a:r>
+              <a:rPr lang="en-US" sz="1800" b="0" dirty="0">
+                <a:solidFill>
+                  <a:srgbClr val="2A283C"/>
+                </a:solidFill>
+                <a:highlight>
+                  <a:srgbClr val="FFFF00"/>
+                </a:highlight>
+                <a:latin typeface="+mj-lt"/>
+                <a:cs typeface="Times New Roman" panose="02020603050405020304" pitchFamily="18" charset="0"/>
+              </a:rPr>
+              <a:t>5.82 seconds</a:t>
+            </a:r>
+            <a:endParaRPr lang="en-CA" sz="1800" b="0" dirty="0">
+              <a:solidFill>
+                <a:srgbClr val="2A283C"/>
+              </a:solidFill>
+              <a:highlight>
+                <a:srgbClr val="FFFF00"/>
+              </a:highlight>
+              <a:latin typeface="+mj-lt"/>
+              <a:cs typeface="Times New Roman" panose="02020603050405020304" pitchFamily="18" charset="0"/>
+            </a:endParaRPr>
+          </a:p>
+          <a:p>
+            <a:r>
+              <a:rPr lang="en-US" sz="1800" b="0" dirty="0">
+                <a:solidFill>
+                  <a:srgbClr val="2A283C"/>
+                </a:solidFill>
+                <a:latin typeface="+mj-lt"/>
+                <a:cs typeface="Times New Roman" panose="02020603050405020304" pitchFamily="18" charset="0"/>
+              </a:rPr>
+              <a:t>Summarization for </a:t>
+            </a:r>
+            <a:r>
+              <a:rPr lang="en-US" sz="1800" b="0" u="sng" dirty="0">
+                <a:solidFill>
+                  <a:srgbClr val="2A283C"/>
+                </a:solidFill>
+                <a:latin typeface="+mj-lt"/>
+                <a:cs typeface="Times New Roman" panose="02020603050405020304" pitchFamily="18" charset="0"/>
+              </a:rPr>
+              <a:t>2020-11-16 GSA USAB meeting notes.docx</a:t>
+            </a:r>
+            <a:r>
+              <a:rPr lang="en-US" sz="1800" b="0" dirty="0">
+                <a:solidFill>
+                  <a:srgbClr val="2A283C"/>
+                </a:solidFill>
+                <a:latin typeface="+mj-lt"/>
+                <a:cs typeface="Times New Roman" panose="02020603050405020304" pitchFamily="18" charset="0"/>
+              </a:rPr>
+              <a:t> completed in </a:t>
+            </a:r>
+            <a:r>
+              <a:rPr lang="en-US" sz="1800" b="0" dirty="0">
+                <a:solidFill>
+                  <a:srgbClr val="2A283C"/>
+                </a:solidFill>
+                <a:highlight>
+                  <a:srgbClr val="FFFF00"/>
+                </a:highlight>
+                <a:latin typeface="+mj-lt"/>
+                <a:cs typeface="Times New Roman" panose="02020603050405020304" pitchFamily="18" charset="0"/>
+              </a:rPr>
+              <a:t>10.81 seconds</a:t>
+            </a:r>
+          </a:p>
+          <a:p>
+            <a:r>
+              <a:rPr lang="en-US" sz="1800" b="0" dirty="0">
+                <a:solidFill>
+                  <a:srgbClr val="2A283C"/>
+                </a:solidFill>
+                <a:latin typeface="+mj-lt"/>
+                <a:cs typeface="Times New Roman" panose="02020603050405020304" pitchFamily="18" charset="0"/>
+              </a:rPr>
+              <a:t>Summarization for </a:t>
+            </a:r>
+            <a:r>
+              <a:rPr lang="en-US" sz="1800" b="0" u="sng" dirty="0" err="1">
+                <a:solidFill>
+                  <a:srgbClr val="2A283C"/>
+                </a:solidFill>
+                <a:latin typeface="+mj-lt"/>
+                <a:cs typeface="Times New Roman" panose="02020603050405020304" pitchFamily="18" charset="0"/>
+              </a:rPr>
+              <a:t>ebidm-dsai</a:t>
+            </a:r>
+            <a:r>
+              <a:rPr lang="en-US" sz="1800" b="0" u="sng" dirty="0">
+                <a:solidFill>
+                  <a:srgbClr val="2A283C"/>
+                </a:solidFill>
+                <a:latin typeface="+mj-lt"/>
+                <a:cs typeface="Times New Roman" panose="02020603050405020304" pitchFamily="18" charset="0"/>
+              </a:rPr>
+              <a:t> meeting notes 2022-01-21.docx</a:t>
+            </a:r>
+            <a:r>
+              <a:rPr lang="en-US" sz="1800" b="0" dirty="0">
+                <a:solidFill>
+                  <a:srgbClr val="2A283C"/>
+                </a:solidFill>
+                <a:latin typeface="+mj-lt"/>
+                <a:cs typeface="Times New Roman" panose="02020603050405020304" pitchFamily="18" charset="0"/>
+              </a:rPr>
+              <a:t> completed in </a:t>
+            </a:r>
+            <a:r>
+              <a:rPr lang="en-US" sz="1800" b="0" dirty="0">
+                <a:solidFill>
+                  <a:srgbClr val="2A283C"/>
+                </a:solidFill>
+                <a:highlight>
+                  <a:srgbClr val="FFFF00"/>
+                </a:highlight>
+                <a:latin typeface="+mj-lt"/>
+                <a:cs typeface="Times New Roman" panose="02020603050405020304" pitchFamily="18" charset="0"/>
+              </a:rPr>
+              <a:t>9.10 seconds</a:t>
+            </a:r>
+          </a:p>
+          <a:p>
+            <a:r>
+              <a:rPr lang="en-US" sz="1800" b="0" dirty="0">
+                <a:solidFill>
+                  <a:srgbClr val="2A283C"/>
+                </a:solidFill>
+                <a:latin typeface="+mj-lt"/>
+                <a:cs typeface="Times New Roman" panose="02020603050405020304" pitchFamily="18" charset="0"/>
+              </a:rPr>
+              <a:t>Summarization for </a:t>
+            </a:r>
+            <a:r>
+              <a:rPr lang="en-US" sz="1800" b="0" u="sng" dirty="0">
+                <a:solidFill>
+                  <a:srgbClr val="2A283C"/>
+                </a:solidFill>
+                <a:latin typeface="+mj-lt"/>
+                <a:cs typeface="Times New Roman" panose="02020603050405020304" pitchFamily="18" charset="0"/>
+              </a:rPr>
+              <a:t>2022-06-15 Onyx demo from Curtis ONeil.txt</a:t>
+            </a:r>
+            <a:r>
+              <a:rPr lang="en-US" sz="1800" b="0" dirty="0">
+                <a:solidFill>
+                  <a:srgbClr val="2A283C"/>
+                </a:solidFill>
+                <a:latin typeface="+mj-lt"/>
+                <a:cs typeface="Times New Roman" panose="02020603050405020304" pitchFamily="18" charset="0"/>
+              </a:rPr>
+              <a:t> completed in </a:t>
+            </a:r>
+            <a:r>
+              <a:rPr lang="en-US" sz="1800" b="0" dirty="0">
+                <a:solidFill>
+                  <a:srgbClr val="2A283C"/>
+                </a:solidFill>
+                <a:highlight>
+                  <a:srgbClr val="FFFF00"/>
+                </a:highlight>
+                <a:latin typeface="+mj-lt"/>
+                <a:cs typeface="Times New Roman" panose="02020603050405020304" pitchFamily="18" charset="0"/>
+              </a:rPr>
+              <a:t>2.96 seconds</a:t>
+            </a:r>
+          </a:p>
+          <a:p>
+            <a:r>
+              <a:rPr lang="en-US" sz="1800" b="0" dirty="0">
+                <a:solidFill>
+                  <a:srgbClr val="2A283C"/>
+                </a:solidFill>
+                <a:latin typeface="+mj-lt"/>
+                <a:cs typeface="Times New Roman" panose="02020603050405020304" pitchFamily="18" charset="0"/>
+              </a:rPr>
+              <a:t>Summarization for </a:t>
+            </a:r>
+            <a:r>
+              <a:rPr lang="en-US" sz="1800" b="0" u="sng" dirty="0">
+                <a:solidFill>
+                  <a:srgbClr val="2A283C"/>
+                </a:solidFill>
+                <a:latin typeface="+mj-lt"/>
+                <a:cs typeface="Times New Roman" panose="02020603050405020304" pitchFamily="18" charset="0"/>
+              </a:rPr>
+              <a:t>2021-10-15 ESD assumptions meeting notes.txt</a:t>
+            </a:r>
+            <a:r>
+              <a:rPr lang="en-US" sz="1800" b="0" dirty="0">
+                <a:solidFill>
+                  <a:srgbClr val="2A283C"/>
+                </a:solidFill>
+                <a:latin typeface="+mj-lt"/>
+                <a:cs typeface="Times New Roman" panose="02020603050405020304" pitchFamily="18" charset="0"/>
+              </a:rPr>
+              <a:t> completed in </a:t>
+            </a:r>
+            <a:r>
+              <a:rPr lang="en-US" sz="1800" b="0" dirty="0">
+                <a:solidFill>
+                  <a:srgbClr val="2A283C"/>
+                </a:solidFill>
+                <a:highlight>
+                  <a:srgbClr val="FFFF00"/>
+                </a:highlight>
+                <a:latin typeface="+mj-lt"/>
+                <a:cs typeface="Times New Roman" panose="02020603050405020304" pitchFamily="18" charset="0"/>
+              </a:rPr>
+              <a:t>2.03 seconds</a:t>
             </a:r>
           </a:p>
         </p:txBody>
@@ -4139,7 +4132,7 @@
     </p:spTree>
     <p:extLst>
       <p:ext uri="{BB962C8B-B14F-4D97-AF65-F5344CB8AC3E}">
-        <p14:creationId xmlns:p14="http://schemas.microsoft.com/office/powerpoint/2010/main" val="1923721175"/>
+        <p14:creationId xmlns:p14="http://schemas.microsoft.com/office/powerpoint/2010/main" val="3050202143"/>
       </p:ext>
     </p:extLst>
   </p:cSld>
@@ -4185,7 +4178,7 @@
         <p:spPr>
           <a:xfrm>
             <a:off x="558342" y="525380"/>
-            <a:ext cx="7316151" cy="507243"/>
+            <a:ext cx="7520338" cy="507243"/>
           </a:xfrm>
         </p:spPr>
         <p:txBody>
@@ -4195,7 +4188,7 @@
           <a:lstStyle/>
           <a:p>
             <a:r>
-              <a:rPr lang="en-US" sz="2200" b="1" dirty="0">
+              <a:rPr lang="en-CA" sz="2200" b="1" dirty="0">
                 <a:effectLst/>
                 <a:latin typeface="Times New Roman" panose="02020603050405020304" pitchFamily="18" charset="0"/>
                 <a:ea typeface="Calibri" panose="020F0502020204030204" pitchFamily="34" charset="0"/>
@@ -4242,10 +4235,9 @@
           <a:lstStyle/>
           <a:p>
             <a:r>
-              <a:rPr lang="en-US" dirty="0"/>
-              <a:t>Function output</a:t>
-            </a:r>
-            <a:endParaRPr lang="en-CA" dirty="0"/>
+              <a:rPr lang="en-CA" dirty="0"/>
+              <a:t>Summarization function</a:t>
+            </a:r>
           </a:p>
         </p:txBody>
       </p:sp>
@@ -4281,83 +4273,10 @@
       </p:sp>
       <p:sp>
         <p:nvSpPr>
-          <p:cNvPr id="7" name="Content Placeholder 6">
-            <a:extLst>
-              <a:ext uri="{FF2B5EF4-FFF2-40B4-BE49-F238E27FC236}">
-                <a16:creationId xmlns:a16="http://schemas.microsoft.com/office/drawing/2014/main" id="{43B25AB8-E67A-4DA5-A786-C1B9BDB2C529}"/>
-              </a:ext>
-            </a:extLst>
-          </p:cNvPr>
-          <p:cNvSpPr>
-            <a:spLocks noGrp="1"/>
-          </p:cNvSpPr>
-          <p:nvPr>
-            <p:ph idx="1"/>
-          </p:nvPr>
-        </p:nvSpPr>
-        <p:spPr>
-          <a:xfrm>
-            <a:off x="548378" y="1253331"/>
-            <a:ext cx="11093656" cy="4351338"/>
-          </a:xfrm>
-        </p:spPr>
-        <p:txBody>
-          <a:bodyPr/>
-          <a:lstStyle/>
-          <a:p>
-            <a:pPr marL="0" indent="0">
-              <a:buNone/>
-            </a:pPr>
-            <a:r>
-              <a:rPr lang="en-CA" sz="2400" dirty="0">
-                <a:solidFill>
-                  <a:schemeClr val="accent5"/>
-                </a:solidFill>
-                <a:latin typeface="+mj-lt"/>
-                <a:cs typeface="Arial" panose="020B0604020202020204" pitchFamily="34" charset="0"/>
-              </a:rPr>
-              <a:t>Summarization output: </a:t>
-            </a:r>
-            <a:r>
-              <a:rPr lang="en-CA" sz="2400" b="1" dirty="0" err="1">
-                <a:solidFill>
-                  <a:schemeClr val="accent5"/>
-                </a:solidFill>
-                <a:latin typeface="+mj-lt"/>
-                <a:cs typeface="Arial" panose="020B0604020202020204" pitchFamily="34" charset="0"/>
-              </a:rPr>
-              <a:t>knkarthick</a:t>
-            </a:r>
-            <a:r>
-              <a:rPr lang="en-CA" sz="2400" b="1" dirty="0">
-                <a:solidFill>
-                  <a:schemeClr val="accent5"/>
-                </a:solidFill>
-                <a:latin typeface="+mj-lt"/>
-                <a:cs typeface="Arial" panose="020B0604020202020204" pitchFamily="34" charset="0"/>
-              </a:rPr>
-              <a:t>/MEETING_SUMMARY</a:t>
-            </a:r>
-            <a:r>
-              <a:rPr lang="en-CA" sz="2400" dirty="0">
-                <a:solidFill>
-                  <a:schemeClr val="accent5"/>
-                </a:solidFill>
-                <a:latin typeface="+mj-lt"/>
-                <a:cs typeface="Arial" panose="020B0604020202020204" pitchFamily="34" charset="0"/>
-              </a:rPr>
-              <a:t> </a:t>
-            </a:r>
-            <a:endParaRPr lang="en-CA" dirty="0"/>
-          </a:p>
-        </p:txBody>
-      </p:sp>
-      <p:sp>
-        <p:nvSpPr>
-          <p:cNvPr id="14" name="TextBox 13">
-            <a:extLst>
-              <a:ext uri="{FF2B5EF4-FFF2-40B4-BE49-F238E27FC236}">
-                <a16:creationId xmlns:a16="http://schemas.microsoft.com/office/drawing/2014/main" id="{C5BF3BF0-4A5A-493F-BD08-4258A52533F4}"/>
+          <p:cNvPr id="12" name="TextBox 11">
+            <a:extLst>
+              <a:ext uri="{FF2B5EF4-FFF2-40B4-BE49-F238E27FC236}">
+                <a16:creationId xmlns:a16="http://schemas.microsoft.com/office/drawing/2014/main" id="{BAF116DE-0FDD-4FB7-8FD9-2E3F78499013}"/>
               </a:ext>
             </a:extLst>
           </p:cNvPr>
@@ -4366,8 +4285,49 @@
         </p:nvSpPr>
         <p:spPr>
           <a:xfrm>
-            <a:off x="5484865" y="5990988"/>
-            <a:ext cx="1220680" cy="341632"/>
+            <a:off x="558342" y="1215001"/>
+            <a:ext cx="3978147" cy="461665"/>
+          </a:xfrm>
+          <a:prstGeom prst="rect">
+            <a:avLst/>
+          </a:prstGeom>
+          <a:noFill/>
+        </p:spPr>
+        <p:txBody>
+          <a:bodyPr wrap="square">
+            <a:spAutoFit/>
+          </a:bodyPr>
+          <a:lstStyle/>
+          <a:p>
+            <a:r>
+              <a:rPr lang="en-CA" sz="2400" b="1" dirty="0">
+                <a:solidFill>
+                  <a:schemeClr val="accent5"/>
+                </a:solidFill>
+                <a:latin typeface="+mj-lt"/>
+                <a:cs typeface="Arial" panose="020B0604020202020204" pitchFamily="34" charset="0"/>
+              </a:rPr>
+              <a:t>Summarization flowchart:</a:t>
+            </a:r>
+          </a:p>
+        </p:txBody>
+      </p:sp>
+      <p:sp>
+        <p:nvSpPr>
+          <p:cNvPr id="13" name="TextBox 12">
+            <a:extLst>
+              <a:ext uri="{FF2B5EF4-FFF2-40B4-BE49-F238E27FC236}">
+                <a16:creationId xmlns:a16="http://schemas.microsoft.com/office/drawing/2014/main" id="{1687738B-7837-4B17-AB99-621D8CE7E29D}"/>
+              </a:ext>
+            </a:extLst>
+          </p:cNvPr>
+          <p:cNvSpPr txBox="1"/>
+          <p:nvPr/>
+        </p:nvSpPr>
+        <p:spPr>
+          <a:xfrm>
+            <a:off x="5412714" y="6295405"/>
+            <a:ext cx="1366571" cy="341632"/>
           </a:xfrm>
           <a:prstGeom prst="rect">
             <a:avLst/>
@@ -4399,7 +4359,7 @@
                 <a:latin typeface="+mj-lt"/>
                 <a:cs typeface="Times New Roman" panose="02020603050405020304" pitchFamily="18" charset="0"/>
               </a:rPr>
-              <a:t>Figure 8</a:t>
+              <a:t>Flowchart.3</a:t>
             </a:r>
           </a:p>
         </p:txBody>
@@ -4409,7 +4369,7 @@
           <p:cNvPr id="3" name="Picture 2">
             <a:extLst>
               <a:ext uri="{FF2B5EF4-FFF2-40B4-BE49-F238E27FC236}">
-                <a16:creationId xmlns:a16="http://schemas.microsoft.com/office/drawing/2014/main" id="{C7B1E358-4AC6-41AC-A7E1-14FFB990FF84}"/>
+                <a16:creationId xmlns:a16="http://schemas.microsoft.com/office/drawing/2014/main" id="{08B10D70-5A2C-4423-8BBC-F682BD617402}"/>
               </a:ext>
             </a:extLst>
           </p:cNvPr>
@@ -4426,8 +4386,8 @@
         </p:blipFill>
         <p:spPr>
           <a:xfrm>
-            <a:off x="1246332" y="2028554"/>
-            <a:ext cx="9697746" cy="3232582"/>
+            <a:off x="4420518" y="1098340"/>
+            <a:ext cx="4283534" cy="5154761"/>
           </a:xfrm>
           <a:prstGeom prst="rect">
             <a:avLst/>
@@ -4437,7 +4397,7 @@
     </p:spTree>
     <p:extLst>
       <p:ext uri="{BB962C8B-B14F-4D97-AF65-F5344CB8AC3E}">
-        <p14:creationId xmlns:p14="http://schemas.microsoft.com/office/powerpoint/2010/main" val="1176779565"/>
+        <p14:creationId xmlns:p14="http://schemas.microsoft.com/office/powerpoint/2010/main" val="3873006784"/>
       </p:ext>
     </p:extLst>
   </p:cSld>
@@ -4483,7 +4443,7 @@
         <p:spPr>
           <a:xfrm>
             <a:off x="558342" y="525380"/>
-            <a:ext cx="7626870" cy="507243"/>
+            <a:ext cx="7316151" cy="507243"/>
           </a:xfrm>
         </p:spPr>
         <p:txBody>
@@ -4493,39 +4453,14 @@
           <a:lstStyle/>
           <a:p>
             <a:r>
-              <a:rPr lang="en-CA" sz="2200" dirty="0">
-                <a:latin typeface="Times New Roman" panose="02020603050405020304" pitchFamily="18" charset="0"/>
-                <a:ea typeface="Calibri" panose="020F0502020204030204" pitchFamily="34" charset="0"/>
-                <a:cs typeface="Times New Roman" panose="02020603050405020304" pitchFamily="18" charset="0"/>
-              </a:rPr>
-              <a:t>PII detection </a:t>
-            </a:r>
-            <a:r>
-              <a:rPr lang="en-CA" sz="2200" b="1" dirty="0">
+              <a:rPr lang="en-US" sz="2200" b="1" dirty="0">
                 <a:effectLst/>
                 <a:latin typeface="Times New Roman" panose="02020603050405020304" pitchFamily="18" charset="0"/>
                 <a:ea typeface="Calibri" panose="020F0502020204030204" pitchFamily="34" charset="0"/>
                 <a:cs typeface="Times New Roman" panose="02020603050405020304" pitchFamily="18" charset="0"/>
               </a:rPr>
-              <a:t>using Presidio analyzer-</a:t>
-            </a:r>
-            <a:r>
-              <a:rPr lang="en-CA" sz="2200" b="1" dirty="0" err="1">
-                <a:effectLst/>
-                <a:latin typeface="Times New Roman" panose="02020603050405020304" pitchFamily="18" charset="0"/>
-                <a:ea typeface="Calibri" panose="020F0502020204030204" pitchFamily="34" charset="0"/>
-                <a:cs typeface="Times New Roman" panose="02020603050405020304" pitchFamily="18" charset="0"/>
-              </a:rPr>
-              <a:t>AnalyzerEngine</a:t>
-            </a:r>
-            <a:br>
-              <a:rPr lang="en-CA" sz="2200" b="1" dirty="0">
-                <a:effectLst/>
-                <a:latin typeface="Times New Roman" panose="02020603050405020304" pitchFamily="18" charset="0"/>
-                <a:ea typeface="Calibri" panose="020F0502020204030204" pitchFamily="34" charset="0"/>
-                <a:cs typeface="Times New Roman" panose="02020603050405020304" pitchFamily="18" charset="0"/>
-              </a:rPr>
-            </a:br>
+              <a:t>Document summarization using pre-trained deep learning models</a:t>
+            </a:r>
             <a:br>
               <a:rPr lang="en-CA" sz="1800" dirty="0">
                 <a:effectLst/>
@@ -4556,8 +4491,8 @@
         </p:nvSpPr>
         <p:spPr>
           <a:xfrm>
-            <a:off x="8256232" y="512763"/>
-            <a:ext cx="3395767" cy="519861"/>
+            <a:off x="7368466" y="512763"/>
+            <a:ext cx="4283534" cy="519861"/>
           </a:xfrm>
         </p:spPr>
         <p:txBody>
@@ -4566,7 +4501,7 @@
           <a:p>
             <a:r>
               <a:rPr lang="en-US" dirty="0"/>
-              <a:t>Function execution</a:t>
+              <a:t>Function output</a:t>
             </a:r>
             <a:endParaRPr lang="en-CA" dirty="0"/>
           </a:p>
@@ -4639,7 +4574,27 @@
                 <a:latin typeface="+mj-lt"/>
                 <a:cs typeface="Arial" panose="020B0604020202020204" pitchFamily="34" charset="0"/>
               </a:rPr>
-              <a:t>API: Presidio analyzer</a:t>
+              <a:t>Summarization output: </a:t>
+            </a:r>
+            <a:r>
+              <a:rPr lang="en-CA" sz="2400" dirty="0" err="1">
+                <a:solidFill>
+                  <a:schemeClr val="accent5"/>
+                </a:solidFill>
+                <a:latin typeface="+mj-lt"/>
+                <a:cs typeface="Arial" panose="020B0604020202020204" pitchFamily="34" charset="0"/>
+              </a:rPr>
+              <a:t>knkarthick</a:t>
+            </a:r>
+            <a:r>
+              <a:rPr lang="en-CA" sz="2400" dirty="0">
+                <a:solidFill>
+                  <a:schemeClr val="accent5"/>
+                </a:solidFill>
+                <a:latin typeface="+mj-lt"/>
+                <a:cs typeface="Arial" panose="020B0604020202020204" pitchFamily="34" charset="0"/>
+              </a:rPr>
+              <a:t>/MEETING_SUMMARY</a:t>
             </a:r>
           </a:p>
           <a:p>
@@ -4647,204 +4602,97 @@
               <a:buNone/>
             </a:pPr>
             <a:r>
-              <a:rPr lang="en-CA" sz="1800" dirty="0">
-                <a:solidFill>
-                  <a:srgbClr val="2A283C"/>
-                </a:solidFill>
-                <a:latin typeface="+mj-lt"/>
-                <a:cs typeface="Times New Roman" panose="02020603050405020304" pitchFamily="18" charset="0"/>
-              </a:rPr>
-              <a:t>Sample data and execution time: </a:t>
-            </a:r>
-          </a:p>
-          <a:p>
-            <a:r>
-              <a:rPr lang="en-US" sz="1800" b="0" dirty="0">
-                <a:solidFill>
-                  <a:srgbClr val="2A283C"/>
-                </a:solidFill>
-                <a:latin typeface="+mj-lt"/>
-                <a:cs typeface="Times New Roman" panose="02020603050405020304" pitchFamily="18" charset="0"/>
-              </a:rPr>
-              <a:t>PII analysis for </a:t>
-            </a:r>
-            <a:r>
-              <a:rPr lang="en-US" sz="1800" b="0" u="sng" dirty="0" err="1">
-                <a:solidFill>
-                  <a:srgbClr val="2A283C"/>
-                </a:solidFill>
-                <a:latin typeface="+mj-lt"/>
-                <a:cs typeface="Times New Roman" panose="02020603050405020304" pitchFamily="18" charset="0"/>
-              </a:rPr>
-              <a:t>ebidm-dsai</a:t>
-            </a:r>
-            <a:r>
-              <a:rPr lang="en-US" sz="1800" b="0" u="sng" dirty="0">
-                <a:solidFill>
-                  <a:srgbClr val="2A283C"/>
-                </a:solidFill>
-                <a:latin typeface="+mj-lt"/>
-                <a:cs typeface="Times New Roman" panose="02020603050405020304" pitchFamily="18" charset="0"/>
-              </a:rPr>
-              <a:t> meeting notes 2022-01-21.docx</a:t>
-            </a:r>
-            <a:r>
-              <a:rPr lang="en-US" sz="1800" b="0" dirty="0">
-                <a:solidFill>
-                  <a:srgbClr val="2A283C"/>
-                </a:solidFill>
-                <a:latin typeface="+mj-lt"/>
-                <a:cs typeface="Times New Roman" panose="02020603050405020304" pitchFamily="18" charset="0"/>
-              </a:rPr>
-              <a:t> completed in </a:t>
-            </a:r>
-            <a:r>
-              <a:rPr lang="en-US" sz="1800" b="0" dirty="0">
-                <a:solidFill>
-                  <a:srgbClr val="2A283C"/>
-                </a:solidFill>
-                <a:highlight>
-                  <a:srgbClr val="FFFF00"/>
-                </a:highlight>
-                <a:latin typeface="+mj-lt"/>
-                <a:cs typeface="Times New Roman" panose="02020603050405020304" pitchFamily="18" charset="0"/>
-              </a:rPr>
-              <a:t>0.18 seconds</a:t>
-            </a:r>
-          </a:p>
-          <a:p>
-            <a:r>
-              <a:rPr lang="en-US" sz="1800" b="0" dirty="0">
-                <a:solidFill>
-                  <a:srgbClr val="2A283C"/>
-                </a:solidFill>
-                <a:latin typeface="+mj-lt"/>
-                <a:cs typeface="Times New Roman" panose="02020603050405020304" pitchFamily="18" charset="0"/>
-              </a:rPr>
-              <a:t>PII analysis for </a:t>
-            </a:r>
-            <a:r>
-              <a:rPr lang="en-US" sz="1800" b="0" u="sng" dirty="0">
-                <a:solidFill>
-                  <a:srgbClr val="2A283C"/>
-                </a:solidFill>
-                <a:latin typeface="+mj-lt"/>
-                <a:cs typeface="Times New Roman" panose="02020603050405020304" pitchFamily="18" charset="0"/>
-              </a:rPr>
-              <a:t>2021-08-23 Doris Paquin (Spectrum) meeting notes.docx</a:t>
-            </a:r>
-            <a:r>
-              <a:rPr lang="en-US" sz="1800" b="0" dirty="0">
-                <a:solidFill>
-                  <a:srgbClr val="2A283C"/>
-                </a:solidFill>
-                <a:latin typeface="+mj-lt"/>
-                <a:cs typeface="Times New Roman" panose="02020603050405020304" pitchFamily="18" charset="0"/>
-              </a:rPr>
-              <a:t> completed in </a:t>
-            </a:r>
-            <a:r>
-              <a:rPr lang="en-US" sz="1800" b="0" dirty="0">
-                <a:solidFill>
-                  <a:srgbClr val="2A283C"/>
-                </a:solidFill>
-                <a:highlight>
-                  <a:srgbClr val="FFFF00"/>
-                </a:highlight>
-                <a:latin typeface="+mj-lt"/>
-                <a:cs typeface="Times New Roman" panose="02020603050405020304" pitchFamily="18" charset="0"/>
-              </a:rPr>
-              <a:t>0.11 seconds</a:t>
-            </a:r>
-          </a:p>
-          <a:p>
-            <a:r>
-              <a:rPr lang="en-US" sz="1800" b="0" dirty="0">
-                <a:solidFill>
-                  <a:srgbClr val="2A283C"/>
-                </a:solidFill>
-                <a:latin typeface="+mj-lt"/>
-                <a:cs typeface="Times New Roman" panose="02020603050405020304" pitchFamily="18" charset="0"/>
-              </a:rPr>
-              <a:t>PII analysis for </a:t>
-            </a:r>
-            <a:r>
-              <a:rPr lang="en-US" sz="1800" b="0" u="sng" dirty="0">
-                <a:solidFill>
-                  <a:srgbClr val="2A283C"/>
-                </a:solidFill>
-                <a:latin typeface="+mj-lt"/>
-                <a:cs typeface="Times New Roman" panose="02020603050405020304" pitchFamily="18" charset="0"/>
-              </a:rPr>
-              <a:t>2020-11-16 GSA USAB meeting notes.docx</a:t>
-            </a:r>
-            <a:r>
-              <a:rPr lang="en-US" sz="1800" b="0" dirty="0">
-                <a:solidFill>
-                  <a:srgbClr val="2A283C"/>
-                </a:solidFill>
-                <a:latin typeface="+mj-lt"/>
-                <a:cs typeface="Times New Roman" panose="02020603050405020304" pitchFamily="18" charset="0"/>
-              </a:rPr>
-              <a:t> completed in </a:t>
-            </a:r>
-            <a:r>
-              <a:rPr lang="en-US" sz="1800" b="0" dirty="0">
-                <a:solidFill>
-                  <a:srgbClr val="2A283C"/>
-                </a:solidFill>
-                <a:highlight>
-                  <a:srgbClr val="FFFF00"/>
-                </a:highlight>
-                <a:latin typeface="+mj-lt"/>
-                <a:cs typeface="Times New Roman" panose="02020603050405020304" pitchFamily="18" charset="0"/>
-              </a:rPr>
-              <a:t>0.18 seconds</a:t>
-            </a:r>
-          </a:p>
-          <a:p>
-            <a:r>
-              <a:rPr lang="en-US" sz="1800" b="0" dirty="0">
-                <a:solidFill>
-                  <a:srgbClr val="2A283C"/>
-                </a:solidFill>
-                <a:latin typeface="+mj-lt"/>
-                <a:cs typeface="Times New Roman" panose="02020603050405020304" pitchFamily="18" charset="0"/>
-              </a:rPr>
-              <a:t>PII analysis for </a:t>
-            </a:r>
-            <a:r>
-              <a:rPr lang="en-US" sz="1800" b="0" u="sng" dirty="0">
-                <a:solidFill>
-                  <a:srgbClr val="2A283C"/>
-                </a:solidFill>
-                <a:latin typeface="+mj-lt"/>
-                <a:cs typeface="Times New Roman" panose="02020603050405020304" pitchFamily="18" charset="0"/>
-              </a:rPr>
-              <a:t>2022-06-15 Onyx demo from Curtis ONeil.txt</a:t>
-            </a:r>
-            <a:r>
-              <a:rPr lang="en-US" sz="1800" b="0" dirty="0">
-                <a:solidFill>
-                  <a:srgbClr val="2A283C"/>
-                </a:solidFill>
-                <a:latin typeface="+mj-lt"/>
-                <a:cs typeface="Times New Roman" panose="02020603050405020304" pitchFamily="18" charset="0"/>
-              </a:rPr>
-              <a:t> completed in </a:t>
-            </a:r>
-            <a:r>
-              <a:rPr lang="en-US" sz="1800" b="0" dirty="0">
-                <a:solidFill>
-                  <a:srgbClr val="2A283C"/>
-                </a:solidFill>
-                <a:highlight>
-                  <a:srgbClr val="FFFF00"/>
-                </a:highlight>
-                <a:latin typeface="+mj-lt"/>
-                <a:cs typeface="Times New Roman" panose="02020603050405020304" pitchFamily="18" charset="0"/>
-              </a:rPr>
-              <a:t>0.06 seconds</a:t>
+              <a:rPr lang="en-CA" sz="2400" dirty="0">
+                <a:solidFill>
+                  <a:schemeClr val="accent5"/>
+                </a:solidFill>
+                <a:latin typeface="+mj-lt"/>
+                <a:cs typeface="Arial" panose="020B0604020202020204" pitchFamily="34" charset="0"/>
+              </a:rPr>
+              <a:t>  </a:t>
+            </a:r>
+            <a:endParaRPr lang="en-CA" dirty="0"/>
+          </a:p>
+        </p:txBody>
+      </p:sp>
+      <p:pic>
+        <p:nvPicPr>
+          <p:cNvPr id="5" name="Picture 4">
+            <a:extLst>
+              <a:ext uri="{FF2B5EF4-FFF2-40B4-BE49-F238E27FC236}">
+                <a16:creationId xmlns:a16="http://schemas.microsoft.com/office/drawing/2014/main" id="{FB43142E-3779-4C81-8E3C-FA97668F79CB}"/>
+              </a:ext>
+            </a:extLst>
+          </p:cNvPr>
+          <p:cNvPicPr>
+            <a:picLocks noChangeAspect="1"/>
+          </p:cNvPicPr>
+          <p:nvPr/>
+        </p:nvPicPr>
+        <p:blipFill>
+          <a:blip r:embed="rId2"/>
+          <a:stretch>
+            <a:fillRect/>
+          </a:stretch>
+        </p:blipFill>
+        <p:spPr>
+          <a:xfrm>
+            <a:off x="1819331" y="1868506"/>
+            <a:ext cx="8551748" cy="4184509"/>
+          </a:xfrm>
+          <a:prstGeom prst="rect">
+            <a:avLst/>
+          </a:prstGeom>
+        </p:spPr>
+      </p:pic>
+      <p:sp>
+        <p:nvSpPr>
+          <p:cNvPr id="14" name="TextBox 13">
+            <a:extLst>
+              <a:ext uri="{FF2B5EF4-FFF2-40B4-BE49-F238E27FC236}">
+                <a16:creationId xmlns:a16="http://schemas.microsoft.com/office/drawing/2014/main" id="{C5BF3BF0-4A5A-493F-BD08-4258A52533F4}"/>
+              </a:ext>
+            </a:extLst>
+          </p:cNvPr>
+          <p:cNvSpPr txBox="1"/>
+          <p:nvPr/>
+        </p:nvSpPr>
+        <p:spPr>
+          <a:xfrm>
+            <a:off x="5484865" y="6024826"/>
+            <a:ext cx="1220680" cy="341632"/>
+          </a:xfrm>
+          <a:prstGeom prst="rect">
+            <a:avLst/>
+          </a:prstGeom>
+          <a:noFill/>
+        </p:spPr>
+        <p:txBody>
+          <a:bodyPr wrap="square">
+            <a:spAutoFit/>
+          </a:bodyPr>
+          <a:lstStyle/>
+          <a:p>
+            <a:pPr>
+              <a:lnSpc>
+                <a:spcPct val="90000"/>
+              </a:lnSpc>
+              <a:spcBef>
+                <a:spcPts val="1000"/>
+              </a:spcBef>
+              <a:spcAft>
+                <a:spcPts val="1200"/>
+              </a:spcAft>
+            </a:pPr>
+            <a:r>
+              <a:rPr lang="en-CA" i="1" dirty="0">
+                <a:solidFill>
+                  <a:srgbClr val="515068"/>
+                </a:solidFill>
+                <a:latin typeface="+mj-lt"/>
+                <a:cs typeface="Times New Roman" panose="02020603050405020304" pitchFamily="18" charset="0"/>
+              </a:rPr>
+              <a:t>Figure 7</a:t>
             </a:r>
           </a:p>
         </p:txBody>
@@ -4852,7 +4700,7 @@
     </p:spTree>
     <p:extLst>
       <p:ext uri="{BB962C8B-B14F-4D97-AF65-F5344CB8AC3E}">
-        <p14:creationId xmlns:p14="http://schemas.microsoft.com/office/powerpoint/2010/main" val="3471695487"/>
+        <p14:creationId xmlns:p14="http://schemas.microsoft.com/office/powerpoint/2010/main" val="1923721175"/>
       </p:ext>
     </p:extLst>
   </p:cSld>
@@ -4881,6 +4729,55 @@
       </p:grpSpPr>
       <p:sp>
         <p:nvSpPr>
+          <p:cNvPr id="4" name="Title 3">
+            <a:extLst>
+              <a:ext uri="{FF2B5EF4-FFF2-40B4-BE49-F238E27FC236}">
+                <a16:creationId xmlns:a16="http://schemas.microsoft.com/office/drawing/2014/main" id="{7E0AB6E5-8565-4ED5-9E53-C71D6968A576}"/>
+              </a:ext>
+            </a:extLst>
+          </p:cNvPr>
+          <p:cNvSpPr>
+            <a:spLocks noGrp="1"/>
+          </p:cNvSpPr>
+          <p:nvPr>
+            <p:ph type="title"/>
+          </p:nvPr>
+        </p:nvSpPr>
+        <p:spPr>
+          <a:xfrm>
+            <a:off x="558342" y="525380"/>
+            <a:ext cx="7316151" cy="507243"/>
+          </a:xfrm>
+        </p:spPr>
+        <p:txBody>
+          <a:bodyPr>
+            <a:normAutofit fontScale="90000"/>
+          </a:bodyPr>
+          <a:lstStyle/>
+          <a:p>
+            <a:r>
+              <a:rPr lang="en-US" sz="2200" b="1" dirty="0">
+                <a:effectLst/>
+                <a:latin typeface="Times New Roman" panose="02020603050405020304" pitchFamily="18" charset="0"/>
+                <a:ea typeface="Calibri" panose="020F0502020204030204" pitchFamily="34" charset="0"/>
+                <a:cs typeface="Times New Roman" panose="02020603050405020304" pitchFamily="18" charset="0"/>
+              </a:rPr>
+              <a:t>Document summarization using pre-trained deep learning models</a:t>
+            </a:r>
+            <a:br>
+              <a:rPr lang="en-CA" sz="1800" dirty="0">
+                <a:effectLst/>
+                <a:latin typeface="Calibri" panose="020F0502020204030204" pitchFamily="34" charset="0"/>
+                <a:ea typeface="Calibri" panose="020F0502020204030204" pitchFamily="34" charset="0"/>
+                <a:cs typeface="Times New Roman" panose="02020603050405020304" pitchFamily="18" charset="0"/>
+              </a:rPr>
+            </a:br>
+            <a:endParaRPr lang="en-CA" dirty="0"/>
+          </a:p>
+        </p:txBody>
+      </p:sp>
+      <p:sp>
+        <p:nvSpPr>
           <p:cNvPr id="6" name="Text Placeholder 5">
             <a:extLst>
               <a:ext uri="{FF2B5EF4-FFF2-40B4-BE49-F238E27FC236}">
@@ -4973,24 +4870,34 @@
               <a:buNone/>
             </a:pPr>
             <a:r>
-              <a:rPr lang="en-US" sz="2400" dirty="0">
+              <a:rPr lang="en-CA" sz="2400" dirty="0">
                 <a:solidFill>
                   <a:schemeClr val="accent5"/>
                 </a:solidFill>
                 <a:latin typeface="+mj-lt"/>
                 <a:cs typeface="Arial" panose="020B0604020202020204" pitchFamily="34" charset="0"/>
               </a:rPr>
-              <a:t>P</a:t>
-            </a:r>
-            <a:r>
-              <a:rPr lang="en-CA" sz="2400" dirty="0" err="1">
+              <a:t>Summarization output: </a:t>
+            </a:r>
+            <a:r>
+              <a:rPr lang="en-CA" sz="2400" b="1" dirty="0" err="1">
                 <a:solidFill>
                   <a:schemeClr val="accent5"/>
                 </a:solidFill>
                 <a:latin typeface="+mj-lt"/>
                 <a:cs typeface="Arial" panose="020B0604020202020204" pitchFamily="34" charset="0"/>
               </a:rPr>
-              <a:t>residio</a:t>
+              <a:t>knkarthick</a:t>
+            </a:r>
+            <a:r>
+              <a:rPr lang="en-CA" sz="2400" b="1" dirty="0">
+                <a:solidFill>
+                  <a:schemeClr val="accent5"/>
+                </a:solidFill>
+                <a:latin typeface="+mj-lt"/>
+                <a:cs typeface="Arial" panose="020B0604020202020204" pitchFamily="34" charset="0"/>
+              </a:rPr>
+              <a:t>/MEETING_SUMMARY</a:t>
             </a:r>
             <a:r>
               <a:rPr lang="en-CA" sz="2400" dirty="0">
@@ -5000,7 +4907,7 @@
                 <a:latin typeface="+mj-lt"/>
                 <a:cs typeface="Arial" panose="020B0604020202020204" pitchFamily="34" charset="0"/>
               </a:rPr>
-              <a:t> analyzer output:  </a:t>
+              <a:t> </a:t>
             </a:r>
             <a:endParaRPr lang="en-CA" dirty="0"/>
           </a:p>
@@ -5008,10 +4915,10 @@
       </p:sp>
       <p:sp>
         <p:nvSpPr>
-          <p:cNvPr id="12" name="TextBox 11">
-            <a:extLst>
-              <a:ext uri="{FF2B5EF4-FFF2-40B4-BE49-F238E27FC236}">
-                <a16:creationId xmlns:a16="http://schemas.microsoft.com/office/drawing/2014/main" id="{E29F2837-4172-42D1-805E-0E22115B6E76}"/>
+          <p:cNvPr id="14" name="TextBox 13">
+            <a:extLst>
+              <a:ext uri="{FF2B5EF4-FFF2-40B4-BE49-F238E27FC236}">
+                <a16:creationId xmlns:a16="http://schemas.microsoft.com/office/drawing/2014/main" id="{C5BF3BF0-4A5A-493F-BD08-4258A52533F4}"/>
               </a:ext>
             </a:extLst>
           </p:cNvPr>
@@ -5020,7 +4927,7 @@
         </p:nvSpPr>
         <p:spPr>
           <a:xfrm>
-            <a:off x="5485660" y="6033637"/>
+            <a:off x="5484865" y="5990988"/>
             <a:ext cx="1220680" cy="341632"/>
           </a:xfrm>
           <a:prstGeom prst="rect">
@@ -5053,82 +4960,17 @@
                 <a:latin typeface="+mj-lt"/>
                 <a:cs typeface="Times New Roman" panose="02020603050405020304" pitchFamily="18" charset="0"/>
               </a:rPr>
-              <a:t>Figure 9</a:t>
-            </a:r>
-          </a:p>
-        </p:txBody>
-      </p:sp>
-      <p:sp>
-        <p:nvSpPr>
-          <p:cNvPr id="3" name="Title 2">
-            <a:extLst>
-              <a:ext uri="{FF2B5EF4-FFF2-40B4-BE49-F238E27FC236}">
-                <a16:creationId xmlns:a16="http://schemas.microsoft.com/office/drawing/2014/main" id="{7EF44892-68F4-49F8-A79A-EF202406BFA0}"/>
-              </a:ext>
-            </a:extLst>
-          </p:cNvPr>
-          <p:cNvSpPr>
-            <a:spLocks noGrp="1"/>
-          </p:cNvSpPr>
-          <p:nvPr>
-            <p:ph type="title"/>
-          </p:nvPr>
-        </p:nvSpPr>
-        <p:spPr>
-          <a:xfrm>
-            <a:off x="558343" y="525380"/>
-            <a:ext cx="6286340" cy="507243"/>
-          </a:xfrm>
-        </p:spPr>
-        <p:txBody>
-          <a:bodyPr>
-            <a:normAutofit fontScale="90000"/>
-          </a:bodyPr>
-          <a:lstStyle/>
-          <a:p>
-            <a:r>
-              <a:rPr lang="en-CA" sz="2200" dirty="0">
-                <a:latin typeface="Times New Roman" panose="02020603050405020304" pitchFamily="18" charset="0"/>
-                <a:ea typeface="Calibri" panose="020F0502020204030204" pitchFamily="34" charset="0"/>
-                <a:cs typeface="Times New Roman" panose="02020603050405020304" pitchFamily="18" charset="0"/>
-              </a:rPr>
-              <a:t>PII detection using Presidio analyzer-</a:t>
-            </a:r>
-            <a:r>
-              <a:rPr lang="en-CA" sz="2200" dirty="0" err="1">
-                <a:latin typeface="Times New Roman" panose="02020603050405020304" pitchFamily="18" charset="0"/>
-                <a:ea typeface="Calibri" panose="020F0502020204030204" pitchFamily="34" charset="0"/>
-                <a:cs typeface="Times New Roman" panose="02020603050405020304" pitchFamily="18" charset="0"/>
-              </a:rPr>
-              <a:t>AnalyzerEngine</a:t>
-            </a:r>
-            <a:br>
-              <a:rPr lang="en-CA" sz="2000" dirty="0">
-                <a:latin typeface="Times New Roman" panose="02020603050405020304" pitchFamily="18" charset="0"/>
-                <a:ea typeface="Calibri" panose="020F0502020204030204" pitchFamily="34" charset="0"/>
-                <a:cs typeface="Times New Roman" panose="02020603050405020304" pitchFamily="18" charset="0"/>
-              </a:rPr>
-            </a:br>
-            <a:br>
-              <a:rPr lang="en-CA" sz="1600" dirty="0">
-                <a:latin typeface="Calibri" panose="020F0502020204030204" pitchFamily="34" charset="0"/>
-                <a:ea typeface="Calibri" panose="020F0502020204030204" pitchFamily="34" charset="0"/>
-                <a:cs typeface="Times New Roman" panose="02020603050405020304" pitchFamily="18" charset="0"/>
-              </a:rPr>
-            </a:br>
-            <a:br>
-              <a:rPr lang="en-CA" dirty="0"/>
-            </a:br>
-            <a:endParaRPr lang="en-CA" dirty="0"/>
+              <a:t>Figure 8</a:t>
+            </a:r>
           </a:p>
         </p:txBody>
       </p:sp>
       <p:pic>
         <p:nvPicPr>
-          <p:cNvPr id="8" name="Picture 7">
-            <a:extLst>
-              <a:ext uri="{FF2B5EF4-FFF2-40B4-BE49-F238E27FC236}">
-                <a16:creationId xmlns:a16="http://schemas.microsoft.com/office/drawing/2014/main" id="{9CC5ADDD-19E4-4D2A-A725-6B227F1C3283}"/>
+          <p:cNvPr id="3" name="Picture 2">
+            <a:extLst>
+              <a:ext uri="{FF2B5EF4-FFF2-40B4-BE49-F238E27FC236}">
+                <a16:creationId xmlns:a16="http://schemas.microsoft.com/office/drawing/2014/main" id="{C7B1E358-4AC6-41AC-A7E1-14FFB990FF84}"/>
               </a:ext>
             </a:extLst>
           </p:cNvPr>
@@ -5145,8 +4987,8 @@
         </p:blipFill>
         <p:spPr>
           <a:xfrm>
-            <a:off x="1615737" y="1856580"/>
-            <a:ext cx="8609338" cy="3972262"/>
+            <a:off x="1246332" y="2028554"/>
+            <a:ext cx="9697746" cy="3232582"/>
           </a:xfrm>
           <a:prstGeom prst="rect">
             <a:avLst/>
@@ -5156,7 +4998,7 @@
     </p:spTree>
     <p:extLst>
       <p:ext uri="{BB962C8B-B14F-4D97-AF65-F5344CB8AC3E}">
-        <p14:creationId xmlns:p14="http://schemas.microsoft.com/office/powerpoint/2010/main" val="2937060916"/>
+        <p14:creationId xmlns:p14="http://schemas.microsoft.com/office/powerpoint/2010/main" val="1176779565"/>
       </p:ext>
     </p:extLst>
   </p:cSld>
@@ -5185,6 +5027,80 @@
       </p:grpSpPr>
       <p:sp>
         <p:nvSpPr>
+          <p:cNvPr id="4" name="Title 3">
+            <a:extLst>
+              <a:ext uri="{FF2B5EF4-FFF2-40B4-BE49-F238E27FC236}">
+                <a16:creationId xmlns:a16="http://schemas.microsoft.com/office/drawing/2014/main" id="{7E0AB6E5-8565-4ED5-9E53-C71D6968A576}"/>
+              </a:ext>
+            </a:extLst>
+          </p:cNvPr>
+          <p:cNvSpPr>
+            <a:spLocks noGrp="1"/>
+          </p:cNvSpPr>
+          <p:nvPr>
+            <p:ph type="title"/>
+          </p:nvPr>
+        </p:nvSpPr>
+        <p:spPr>
+          <a:xfrm>
+            <a:off x="558342" y="525380"/>
+            <a:ext cx="7626870" cy="507243"/>
+          </a:xfrm>
+        </p:spPr>
+        <p:txBody>
+          <a:bodyPr>
+            <a:normAutofit fontScale="90000"/>
+          </a:bodyPr>
+          <a:lstStyle/>
+          <a:p>
+            <a:r>
+              <a:rPr lang="en-CA" sz="2200" dirty="0">
+                <a:latin typeface="Times New Roman" panose="02020603050405020304" pitchFamily="18" charset="0"/>
+                <a:ea typeface="Calibri" panose="020F0502020204030204" pitchFamily="34" charset="0"/>
+                <a:cs typeface="Times New Roman" panose="02020603050405020304" pitchFamily="18" charset="0"/>
+              </a:rPr>
+              <a:t>PII detection </a:t>
+            </a:r>
+            <a:r>
+              <a:rPr lang="en-CA" sz="2200" b="1" dirty="0">
+                <a:effectLst/>
+                <a:latin typeface="Times New Roman" panose="02020603050405020304" pitchFamily="18" charset="0"/>
+                <a:ea typeface="Calibri" panose="020F0502020204030204" pitchFamily="34" charset="0"/>
+                <a:cs typeface="Times New Roman" panose="02020603050405020304" pitchFamily="18" charset="0"/>
+              </a:rPr>
+              <a:t>using Presidio analyzer-</a:t>
+            </a:r>
+            <a:r>
+              <a:rPr lang="en-CA" sz="2200" b="1" dirty="0" err="1">
+                <a:effectLst/>
+                <a:latin typeface="Times New Roman" panose="02020603050405020304" pitchFamily="18" charset="0"/>
+                <a:ea typeface="Calibri" panose="020F0502020204030204" pitchFamily="34" charset="0"/>
+                <a:cs typeface="Times New Roman" panose="02020603050405020304" pitchFamily="18" charset="0"/>
+              </a:rPr>
+              <a:t>AnalyzerEngine</a:t>
+            </a:r>
+            <a:br>
+              <a:rPr lang="en-CA" sz="2200" b="1" dirty="0">
+                <a:effectLst/>
+                <a:latin typeface="Times New Roman" panose="02020603050405020304" pitchFamily="18" charset="0"/>
+                <a:ea typeface="Calibri" panose="020F0502020204030204" pitchFamily="34" charset="0"/>
+                <a:cs typeface="Times New Roman" panose="02020603050405020304" pitchFamily="18" charset="0"/>
+              </a:rPr>
+            </a:br>
+            <a:br>
+              <a:rPr lang="en-CA" sz="1800" dirty="0">
+                <a:effectLst/>
+                <a:latin typeface="Calibri" panose="020F0502020204030204" pitchFamily="34" charset="0"/>
+                <a:ea typeface="Calibri" panose="020F0502020204030204" pitchFamily="34" charset="0"/>
+                <a:cs typeface="Times New Roman" panose="02020603050405020304" pitchFamily="18" charset="0"/>
+              </a:rPr>
+            </a:br>
+            <a:endParaRPr lang="en-CA" dirty="0"/>
+          </a:p>
+        </p:txBody>
+      </p:sp>
+      <p:sp>
+        <p:nvSpPr>
           <p:cNvPr id="6" name="Text Placeholder 5">
             <a:extLst>
               <a:ext uri="{FF2B5EF4-FFF2-40B4-BE49-F238E27FC236}">
@@ -5201,8 +5117,8 @@
         </p:nvSpPr>
         <p:spPr>
           <a:xfrm>
-            <a:off x="7368466" y="512763"/>
-            <a:ext cx="4283534" cy="519861"/>
+            <a:off x="8256232" y="512763"/>
+            <a:ext cx="3395767" cy="519861"/>
           </a:xfrm>
         </p:spPr>
         <p:txBody>
@@ -5211,7 +5127,7 @@
           <a:p>
             <a:r>
               <a:rPr lang="en-US" dirty="0"/>
-              <a:t>Function output</a:t>
+              <a:t>Function execution</a:t>
             </a:r>
             <a:endParaRPr lang="en-CA" dirty="0"/>
           </a:p>
@@ -5242,6 +5158,933 @@
               <a:rPr lang="en-CA" smtClean="0"/>
               <a:pPr/>
               <a:t>15</a:t>
+            </a:fld>
+            <a:endParaRPr lang="en-CA" dirty="0"/>
+          </a:p>
+        </p:txBody>
+      </p:sp>
+      <p:sp>
+        <p:nvSpPr>
+          <p:cNvPr id="7" name="Content Placeholder 6">
+            <a:extLst>
+              <a:ext uri="{FF2B5EF4-FFF2-40B4-BE49-F238E27FC236}">
+                <a16:creationId xmlns:a16="http://schemas.microsoft.com/office/drawing/2014/main" id="{43B25AB8-E67A-4DA5-A786-C1B9BDB2C529}"/>
+              </a:ext>
+            </a:extLst>
+          </p:cNvPr>
+          <p:cNvSpPr>
+            <a:spLocks noGrp="1"/>
+          </p:cNvSpPr>
+          <p:nvPr>
+            <p:ph idx="1"/>
+          </p:nvPr>
+        </p:nvSpPr>
+        <p:spPr>
+          <a:xfrm>
+            <a:off x="548378" y="1253331"/>
+            <a:ext cx="11093656" cy="4351338"/>
+          </a:xfrm>
+        </p:spPr>
+        <p:txBody>
+          <a:bodyPr/>
+          <a:lstStyle/>
+          <a:p>
+            <a:pPr marL="0" indent="0">
+              <a:buNone/>
+            </a:pPr>
+            <a:r>
+              <a:rPr lang="en-CA" sz="2400" dirty="0">
+                <a:solidFill>
+                  <a:schemeClr val="accent5"/>
+                </a:solidFill>
+                <a:latin typeface="+mj-lt"/>
+                <a:cs typeface="Arial" panose="020B0604020202020204" pitchFamily="34" charset="0"/>
+              </a:rPr>
+              <a:t>API: Presidio analyzer</a:t>
+            </a:r>
+          </a:p>
+          <a:p>
+            <a:pPr marL="0" indent="0">
+              <a:buNone/>
+            </a:pPr>
+            <a:r>
+              <a:rPr lang="en-CA" sz="1800" dirty="0">
+                <a:solidFill>
+                  <a:srgbClr val="2A283C"/>
+                </a:solidFill>
+                <a:latin typeface="+mj-lt"/>
+                <a:cs typeface="Times New Roman" panose="02020603050405020304" pitchFamily="18" charset="0"/>
+              </a:rPr>
+              <a:t>Sample data and execution time: </a:t>
+            </a:r>
+          </a:p>
+          <a:p>
+            <a:r>
+              <a:rPr lang="en-US" sz="1800" b="0" dirty="0">
+                <a:solidFill>
+                  <a:srgbClr val="2A283C"/>
+                </a:solidFill>
+                <a:latin typeface="+mj-lt"/>
+                <a:cs typeface="Times New Roman" panose="02020603050405020304" pitchFamily="18" charset="0"/>
+              </a:rPr>
+              <a:t>PII analysis for </a:t>
+            </a:r>
+            <a:r>
+              <a:rPr lang="en-US" sz="1800" b="0" u="sng" dirty="0" err="1">
+                <a:solidFill>
+                  <a:srgbClr val="2A283C"/>
+                </a:solidFill>
+                <a:latin typeface="+mj-lt"/>
+                <a:cs typeface="Times New Roman" panose="02020603050405020304" pitchFamily="18" charset="0"/>
+              </a:rPr>
+              <a:t>ebidm-dsai</a:t>
+            </a:r>
+            <a:r>
+              <a:rPr lang="en-US" sz="1800" b="0" u="sng" dirty="0">
+                <a:solidFill>
+                  <a:srgbClr val="2A283C"/>
+                </a:solidFill>
+                <a:latin typeface="+mj-lt"/>
+                <a:cs typeface="Times New Roman" panose="02020603050405020304" pitchFamily="18" charset="0"/>
+              </a:rPr>
+              <a:t> meeting notes 2022-01-21.docx</a:t>
+            </a:r>
+            <a:r>
+              <a:rPr lang="en-US" sz="1800" b="0" dirty="0">
+                <a:solidFill>
+                  <a:srgbClr val="2A283C"/>
+                </a:solidFill>
+                <a:latin typeface="+mj-lt"/>
+                <a:cs typeface="Times New Roman" panose="02020603050405020304" pitchFamily="18" charset="0"/>
+              </a:rPr>
+              <a:t> completed in </a:t>
+            </a:r>
+            <a:r>
+              <a:rPr lang="en-US" sz="1800" b="0" dirty="0">
+                <a:solidFill>
+                  <a:srgbClr val="2A283C"/>
+                </a:solidFill>
+                <a:highlight>
+                  <a:srgbClr val="FFFF00"/>
+                </a:highlight>
+                <a:latin typeface="+mj-lt"/>
+                <a:cs typeface="Times New Roman" panose="02020603050405020304" pitchFamily="18" charset="0"/>
+              </a:rPr>
+              <a:t>0.18 seconds</a:t>
+            </a:r>
+          </a:p>
+          <a:p>
+            <a:r>
+              <a:rPr lang="en-US" sz="1800" b="0" dirty="0">
+                <a:solidFill>
+                  <a:srgbClr val="2A283C"/>
+                </a:solidFill>
+                <a:latin typeface="+mj-lt"/>
+                <a:cs typeface="Times New Roman" panose="02020603050405020304" pitchFamily="18" charset="0"/>
+              </a:rPr>
+              <a:t>PII analysis for </a:t>
+            </a:r>
+            <a:r>
+              <a:rPr lang="en-US" sz="1800" b="0" u="sng" dirty="0">
+                <a:solidFill>
+                  <a:srgbClr val="2A283C"/>
+                </a:solidFill>
+                <a:latin typeface="+mj-lt"/>
+                <a:cs typeface="Times New Roman" panose="02020603050405020304" pitchFamily="18" charset="0"/>
+              </a:rPr>
+              <a:t>2021-08-23 Doris Paquin (Spectrum) meeting notes.docx</a:t>
+            </a:r>
+            <a:r>
+              <a:rPr lang="en-US" sz="1800" b="0" dirty="0">
+                <a:solidFill>
+                  <a:srgbClr val="2A283C"/>
+                </a:solidFill>
+                <a:latin typeface="+mj-lt"/>
+                <a:cs typeface="Times New Roman" panose="02020603050405020304" pitchFamily="18" charset="0"/>
+              </a:rPr>
+              <a:t> completed in </a:t>
+            </a:r>
+            <a:r>
+              <a:rPr lang="en-US" sz="1800" b="0" dirty="0">
+                <a:solidFill>
+                  <a:srgbClr val="2A283C"/>
+                </a:solidFill>
+                <a:highlight>
+                  <a:srgbClr val="FFFF00"/>
+                </a:highlight>
+                <a:latin typeface="+mj-lt"/>
+                <a:cs typeface="Times New Roman" panose="02020603050405020304" pitchFamily="18" charset="0"/>
+              </a:rPr>
+              <a:t>0.11 seconds</a:t>
+            </a:r>
+          </a:p>
+          <a:p>
+            <a:r>
+              <a:rPr lang="en-US" sz="1800" b="0" dirty="0">
+                <a:solidFill>
+                  <a:srgbClr val="2A283C"/>
+                </a:solidFill>
+                <a:latin typeface="+mj-lt"/>
+                <a:cs typeface="Times New Roman" panose="02020603050405020304" pitchFamily="18" charset="0"/>
+              </a:rPr>
+              <a:t>PII analysis for </a:t>
+            </a:r>
+            <a:r>
+              <a:rPr lang="en-US" sz="1800" b="0" u="sng" dirty="0">
+                <a:solidFill>
+                  <a:srgbClr val="2A283C"/>
+                </a:solidFill>
+                <a:latin typeface="+mj-lt"/>
+                <a:cs typeface="Times New Roman" panose="02020603050405020304" pitchFamily="18" charset="0"/>
+              </a:rPr>
+              <a:t>2020-11-16 GSA USAB meeting notes.docx</a:t>
+            </a:r>
+            <a:r>
+              <a:rPr lang="en-US" sz="1800" b="0" dirty="0">
+                <a:solidFill>
+                  <a:srgbClr val="2A283C"/>
+                </a:solidFill>
+                <a:latin typeface="+mj-lt"/>
+                <a:cs typeface="Times New Roman" panose="02020603050405020304" pitchFamily="18" charset="0"/>
+              </a:rPr>
+              <a:t> completed in </a:t>
+            </a:r>
+            <a:r>
+              <a:rPr lang="en-US" sz="1800" b="0" dirty="0">
+                <a:solidFill>
+                  <a:srgbClr val="2A283C"/>
+                </a:solidFill>
+                <a:highlight>
+                  <a:srgbClr val="FFFF00"/>
+                </a:highlight>
+                <a:latin typeface="+mj-lt"/>
+                <a:cs typeface="Times New Roman" panose="02020603050405020304" pitchFamily="18" charset="0"/>
+              </a:rPr>
+              <a:t>0.18 seconds</a:t>
+            </a:r>
+          </a:p>
+          <a:p>
+            <a:r>
+              <a:rPr lang="en-US" sz="1800" b="0" dirty="0">
+                <a:solidFill>
+                  <a:srgbClr val="2A283C"/>
+                </a:solidFill>
+                <a:latin typeface="+mj-lt"/>
+                <a:cs typeface="Times New Roman" panose="02020603050405020304" pitchFamily="18" charset="0"/>
+              </a:rPr>
+              <a:t>PII analysis for </a:t>
+            </a:r>
+            <a:r>
+              <a:rPr lang="en-US" sz="1800" b="0" u="sng" dirty="0">
+                <a:solidFill>
+                  <a:srgbClr val="2A283C"/>
+                </a:solidFill>
+                <a:latin typeface="+mj-lt"/>
+                <a:cs typeface="Times New Roman" panose="02020603050405020304" pitchFamily="18" charset="0"/>
+              </a:rPr>
+              <a:t>2022-06-15 Onyx demo from Curtis ONeil.txt</a:t>
+            </a:r>
+            <a:r>
+              <a:rPr lang="en-US" sz="1800" b="0" dirty="0">
+                <a:solidFill>
+                  <a:srgbClr val="2A283C"/>
+                </a:solidFill>
+                <a:latin typeface="+mj-lt"/>
+                <a:cs typeface="Times New Roman" panose="02020603050405020304" pitchFamily="18" charset="0"/>
+              </a:rPr>
+              <a:t> completed in </a:t>
+            </a:r>
+            <a:r>
+              <a:rPr lang="en-US" sz="1800" b="0" dirty="0">
+                <a:solidFill>
+                  <a:srgbClr val="2A283C"/>
+                </a:solidFill>
+                <a:highlight>
+                  <a:srgbClr val="FFFF00"/>
+                </a:highlight>
+                <a:latin typeface="+mj-lt"/>
+                <a:cs typeface="Times New Roman" panose="02020603050405020304" pitchFamily="18" charset="0"/>
+              </a:rPr>
+              <a:t>0.06 seconds</a:t>
+            </a:r>
+          </a:p>
+        </p:txBody>
+      </p:sp>
+    </p:spTree>
+    <p:extLst>
+      <p:ext uri="{BB962C8B-B14F-4D97-AF65-F5344CB8AC3E}">
+        <p14:creationId xmlns:p14="http://schemas.microsoft.com/office/powerpoint/2010/main" val="3471695487"/>
+      </p:ext>
+    </p:extLst>
+  </p:cSld>
+  <p:clrMapOvr>
+    <a:masterClrMapping/>
+  </p:clrMapOvr>
+</p:sld>
+</file>
+
+<file path=ppt/slides/slide16.xml><?xml version="1.0" encoding="utf-8"?>
+<p:sld xmlns:a="http://schemas.openxmlformats.org/drawingml/2006/main" xmlns:r="http://schemas.openxmlformats.org/officeDocument/2006/relationships" xmlns:p="http://schemas.openxmlformats.org/presentationml/2006/main">
+  <p:cSld>
+    <p:spTree>
+      <p:nvGrpSpPr>
+        <p:cNvPr id="1" name=""/>
+        <p:cNvGrpSpPr/>
+        <p:nvPr/>
+      </p:nvGrpSpPr>
+      <p:grpSpPr>
+        <a:xfrm>
+          <a:off x="0" y="0"/>
+          <a:ext cx="0" cy="0"/>
+          <a:chOff x="0" y="0"/>
+          <a:chExt cx="0" cy="0"/>
+        </a:xfrm>
+      </p:grpSpPr>
+      <p:sp>
+        <p:nvSpPr>
+          <p:cNvPr id="4" name="Title 3">
+            <a:extLst>
+              <a:ext uri="{FF2B5EF4-FFF2-40B4-BE49-F238E27FC236}">
+                <a16:creationId xmlns:a16="http://schemas.microsoft.com/office/drawing/2014/main" id="{7E0AB6E5-8565-4ED5-9E53-C71D6968A576}"/>
+              </a:ext>
+            </a:extLst>
+          </p:cNvPr>
+          <p:cNvSpPr>
+            <a:spLocks noGrp="1"/>
+          </p:cNvSpPr>
+          <p:nvPr>
+            <p:ph type="title"/>
+          </p:nvPr>
+        </p:nvSpPr>
+        <p:spPr>
+          <a:xfrm>
+            <a:off x="558342" y="525380"/>
+            <a:ext cx="7520338" cy="507243"/>
+          </a:xfrm>
+        </p:spPr>
+        <p:txBody>
+          <a:bodyPr>
+            <a:normAutofit fontScale="90000"/>
+          </a:bodyPr>
+          <a:lstStyle/>
+          <a:p>
+            <a:r>
+              <a:rPr lang="en-US" sz="2200" b="1" dirty="0">
+                <a:effectLst/>
+                <a:latin typeface="Times New Roman" panose="02020603050405020304" pitchFamily="18" charset="0"/>
+                <a:ea typeface="Calibri" panose="020F0502020204030204" pitchFamily="34" charset="0"/>
+                <a:cs typeface="Times New Roman" panose="02020603050405020304" pitchFamily="18" charset="0"/>
+              </a:rPr>
+              <a:t>PII detection using Presidio analyzer-</a:t>
+            </a:r>
+            <a:r>
+              <a:rPr lang="en-US" sz="2200" b="1" dirty="0" err="1">
+                <a:effectLst/>
+                <a:latin typeface="Times New Roman" panose="02020603050405020304" pitchFamily="18" charset="0"/>
+                <a:ea typeface="Calibri" panose="020F0502020204030204" pitchFamily="34" charset="0"/>
+                <a:cs typeface="Times New Roman" panose="02020603050405020304" pitchFamily="18" charset="0"/>
+              </a:rPr>
+              <a:t>AnalyzerEngine</a:t>
+            </a:r>
+            <a:br>
+              <a:rPr lang="en-US" sz="2200" b="1" dirty="0">
+                <a:effectLst/>
+                <a:latin typeface="Times New Roman" panose="02020603050405020304" pitchFamily="18" charset="0"/>
+                <a:ea typeface="Calibri" panose="020F0502020204030204" pitchFamily="34" charset="0"/>
+                <a:cs typeface="Times New Roman" panose="02020603050405020304" pitchFamily="18" charset="0"/>
+              </a:rPr>
+            </a:br>
+            <a:br>
+              <a:rPr lang="en-US" sz="2200" b="1" dirty="0">
+                <a:effectLst/>
+                <a:latin typeface="Times New Roman" panose="02020603050405020304" pitchFamily="18" charset="0"/>
+                <a:ea typeface="Calibri" panose="020F0502020204030204" pitchFamily="34" charset="0"/>
+                <a:cs typeface="Times New Roman" panose="02020603050405020304" pitchFamily="18" charset="0"/>
+              </a:rPr>
+            </a:br>
+            <a:endParaRPr lang="en-CA" dirty="0"/>
+          </a:p>
+        </p:txBody>
+      </p:sp>
+      <p:sp>
+        <p:nvSpPr>
+          <p:cNvPr id="6" name="Text Placeholder 5">
+            <a:extLst>
+              <a:ext uri="{FF2B5EF4-FFF2-40B4-BE49-F238E27FC236}">
+                <a16:creationId xmlns:a16="http://schemas.microsoft.com/office/drawing/2014/main" id="{13197714-23C7-4441-933D-E175185D6439}"/>
+              </a:ext>
+            </a:extLst>
+          </p:cNvPr>
+          <p:cNvSpPr>
+            <a:spLocks noGrp="1"/>
+          </p:cNvSpPr>
+          <p:nvPr>
+            <p:ph type="body" sz="quarter" idx="13"/>
+          </p:nvPr>
+        </p:nvSpPr>
+        <p:spPr>
+          <a:xfrm>
+            <a:off x="7368466" y="512763"/>
+            <a:ext cx="4283534" cy="519861"/>
+          </a:xfrm>
+        </p:spPr>
+        <p:txBody>
+          <a:bodyPr/>
+          <a:lstStyle/>
+          <a:p>
+            <a:r>
+              <a:rPr lang="en-CA" dirty="0"/>
+              <a:t>PII detection function</a:t>
+            </a:r>
+          </a:p>
+        </p:txBody>
+      </p:sp>
+      <p:sp>
+        <p:nvSpPr>
+          <p:cNvPr id="10" name="Slide Number Placeholder 9">
+            <a:extLst>
+              <a:ext uri="{FF2B5EF4-FFF2-40B4-BE49-F238E27FC236}">
+                <a16:creationId xmlns:a16="http://schemas.microsoft.com/office/drawing/2014/main" id="{7375B61D-205F-4260-B56C-BA154C8DAB37}"/>
+              </a:ext>
+            </a:extLst>
+          </p:cNvPr>
+          <p:cNvSpPr>
+            <a:spLocks noGrp="1"/>
+          </p:cNvSpPr>
+          <p:nvPr>
+            <p:ph type="sldNum" sz="quarter" idx="4"/>
+          </p:nvPr>
+        </p:nvSpPr>
+        <p:spPr/>
+        <p:txBody>
+          <a:bodyPr/>
+          <a:lstStyle/>
+          <a:p>
+            <a:fld id="{901A5C5A-0510-4C91-884B-493304B904E2}" type="slidenum">
+              <a:rPr lang="en-CA" smtClean="0"/>
+              <a:pPr/>
+              <a:t>16</a:t>
+            </a:fld>
+            <a:endParaRPr lang="en-CA" dirty="0"/>
+          </a:p>
+        </p:txBody>
+      </p:sp>
+      <p:sp>
+        <p:nvSpPr>
+          <p:cNvPr id="12" name="TextBox 11">
+            <a:extLst>
+              <a:ext uri="{FF2B5EF4-FFF2-40B4-BE49-F238E27FC236}">
+                <a16:creationId xmlns:a16="http://schemas.microsoft.com/office/drawing/2014/main" id="{BAF116DE-0FDD-4FB7-8FD9-2E3F78499013}"/>
+              </a:ext>
+            </a:extLst>
+          </p:cNvPr>
+          <p:cNvSpPr txBox="1"/>
+          <p:nvPr/>
+        </p:nvSpPr>
+        <p:spPr>
+          <a:xfrm>
+            <a:off x="558342" y="1252978"/>
+            <a:ext cx="3569775" cy="461665"/>
+          </a:xfrm>
+          <a:prstGeom prst="rect">
+            <a:avLst/>
+          </a:prstGeom>
+          <a:noFill/>
+        </p:spPr>
+        <p:txBody>
+          <a:bodyPr wrap="square">
+            <a:spAutoFit/>
+          </a:bodyPr>
+          <a:lstStyle/>
+          <a:p>
+            <a:r>
+              <a:rPr lang="en-CA" sz="2400" b="1" dirty="0">
+                <a:solidFill>
+                  <a:schemeClr val="accent5"/>
+                </a:solidFill>
+                <a:latin typeface="+mj-lt"/>
+                <a:cs typeface="Arial" panose="020B0604020202020204" pitchFamily="34" charset="0"/>
+              </a:rPr>
+              <a:t>PII detection flowchart:</a:t>
+            </a:r>
+          </a:p>
+        </p:txBody>
+      </p:sp>
+      <p:sp>
+        <p:nvSpPr>
+          <p:cNvPr id="13" name="TextBox 12">
+            <a:extLst>
+              <a:ext uri="{FF2B5EF4-FFF2-40B4-BE49-F238E27FC236}">
+                <a16:creationId xmlns:a16="http://schemas.microsoft.com/office/drawing/2014/main" id="{1687738B-7837-4B17-AB99-621D8CE7E29D}"/>
+              </a:ext>
+            </a:extLst>
+          </p:cNvPr>
+          <p:cNvSpPr txBox="1"/>
+          <p:nvPr/>
+        </p:nvSpPr>
+        <p:spPr>
+          <a:xfrm>
+            <a:off x="5306182" y="6225212"/>
+            <a:ext cx="1366571" cy="341632"/>
+          </a:xfrm>
+          <a:prstGeom prst="rect">
+            <a:avLst/>
+          </a:prstGeom>
+          <a:noFill/>
+        </p:spPr>
+        <p:txBody>
+          <a:bodyPr wrap="square">
+            <a:spAutoFit/>
+          </a:bodyPr>
+          <a:lstStyle/>
+          <a:p>
+            <a:pPr>
+              <a:lnSpc>
+                <a:spcPct val="90000"/>
+              </a:lnSpc>
+              <a:spcBef>
+                <a:spcPts val="1000"/>
+              </a:spcBef>
+              <a:spcAft>
+                <a:spcPts val="1200"/>
+              </a:spcAft>
+            </a:pPr>
+            <a:r>
+              <a:rPr lang="en-CA" i="1" dirty="0">
+                <a:solidFill>
+                  <a:srgbClr val="515068"/>
+                </a:solidFill>
+                <a:latin typeface="+mj-lt"/>
+                <a:cs typeface="Times New Roman" panose="02020603050405020304" pitchFamily="18" charset="0"/>
+              </a:rPr>
+              <a:t>Flowchart.4</a:t>
+            </a:r>
+          </a:p>
+        </p:txBody>
+      </p:sp>
+      <p:pic>
+        <p:nvPicPr>
+          <p:cNvPr id="5" name="Picture 4">
+            <a:extLst>
+              <a:ext uri="{FF2B5EF4-FFF2-40B4-BE49-F238E27FC236}">
+                <a16:creationId xmlns:a16="http://schemas.microsoft.com/office/drawing/2014/main" id="{BC100127-A49B-4105-8101-886E4836847C}"/>
+              </a:ext>
+            </a:extLst>
+          </p:cNvPr>
+          <p:cNvPicPr>
+            <a:picLocks noChangeAspect="1"/>
+          </p:cNvPicPr>
+          <p:nvPr/>
+        </p:nvPicPr>
+        <p:blipFill>
+          <a:blip r:embed="rId2"/>
+          <a:stretch>
+            <a:fillRect/>
+          </a:stretch>
+        </p:blipFill>
+        <p:spPr>
+          <a:xfrm>
+            <a:off x="3968318" y="1165662"/>
+            <a:ext cx="4571803" cy="4926512"/>
+          </a:xfrm>
+          <a:prstGeom prst="rect">
+            <a:avLst/>
+          </a:prstGeom>
+        </p:spPr>
+      </p:pic>
+    </p:spTree>
+    <p:extLst>
+      <p:ext uri="{BB962C8B-B14F-4D97-AF65-F5344CB8AC3E}">
+        <p14:creationId xmlns:p14="http://schemas.microsoft.com/office/powerpoint/2010/main" val="276288139"/>
+      </p:ext>
+    </p:extLst>
+  </p:cSld>
+  <p:clrMapOvr>
+    <a:masterClrMapping/>
+  </p:clrMapOvr>
+</p:sld>
+</file>
+
+<file path=ppt/slides/slide17.xml><?xml version="1.0" encoding="utf-8"?>
+<p:sld xmlns:a="http://schemas.openxmlformats.org/drawingml/2006/main" xmlns:r="http://schemas.openxmlformats.org/officeDocument/2006/relationships" xmlns:p="http://schemas.openxmlformats.org/presentationml/2006/main">
+  <p:cSld>
+    <p:spTree>
+      <p:nvGrpSpPr>
+        <p:cNvPr id="1" name=""/>
+        <p:cNvGrpSpPr/>
+        <p:nvPr/>
+      </p:nvGrpSpPr>
+      <p:grpSpPr>
+        <a:xfrm>
+          <a:off x="0" y="0"/>
+          <a:ext cx="0" cy="0"/>
+          <a:chOff x="0" y="0"/>
+          <a:chExt cx="0" cy="0"/>
+        </a:xfrm>
+      </p:grpSpPr>
+      <p:sp>
+        <p:nvSpPr>
+          <p:cNvPr id="6" name="Text Placeholder 5">
+            <a:extLst>
+              <a:ext uri="{FF2B5EF4-FFF2-40B4-BE49-F238E27FC236}">
+                <a16:creationId xmlns:a16="http://schemas.microsoft.com/office/drawing/2014/main" id="{13197714-23C7-4441-933D-E175185D6439}"/>
+              </a:ext>
+            </a:extLst>
+          </p:cNvPr>
+          <p:cNvSpPr>
+            <a:spLocks noGrp="1"/>
+          </p:cNvSpPr>
+          <p:nvPr>
+            <p:ph type="body" sz="quarter" idx="13"/>
+          </p:nvPr>
+        </p:nvSpPr>
+        <p:spPr>
+          <a:xfrm>
+            <a:off x="7368466" y="512763"/>
+            <a:ext cx="4283534" cy="519861"/>
+          </a:xfrm>
+        </p:spPr>
+        <p:txBody>
+          <a:bodyPr/>
+          <a:lstStyle/>
+          <a:p>
+            <a:r>
+              <a:rPr lang="en-US" dirty="0"/>
+              <a:t>Function output</a:t>
+            </a:r>
+            <a:endParaRPr lang="en-CA" dirty="0"/>
+          </a:p>
+        </p:txBody>
+      </p:sp>
+      <p:sp>
+        <p:nvSpPr>
+          <p:cNvPr id="10" name="Slide Number Placeholder 9">
+            <a:extLst>
+              <a:ext uri="{FF2B5EF4-FFF2-40B4-BE49-F238E27FC236}">
+                <a16:creationId xmlns:a16="http://schemas.microsoft.com/office/drawing/2014/main" id="{7375B61D-205F-4260-B56C-BA154C8DAB37}"/>
+              </a:ext>
+            </a:extLst>
+          </p:cNvPr>
+          <p:cNvSpPr>
+            <a:spLocks noGrp="1"/>
+          </p:cNvSpPr>
+          <p:nvPr>
+            <p:ph type="sldNum" sz="quarter" idx="4"/>
+          </p:nvPr>
+        </p:nvSpPr>
+        <p:spPr/>
+        <p:txBody>
+          <a:bodyPr/>
+          <a:lstStyle/>
+          <a:p>
+            <a:fld id="{901A5C5A-0510-4C91-884B-493304B904E2}" type="slidenum">
+              <a:rPr lang="en-CA" smtClean="0"/>
+              <a:pPr/>
+              <a:t>17</a:t>
+            </a:fld>
+            <a:endParaRPr lang="en-CA" dirty="0"/>
+          </a:p>
+        </p:txBody>
+      </p:sp>
+      <p:sp>
+        <p:nvSpPr>
+          <p:cNvPr id="7" name="Content Placeholder 6">
+            <a:extLst>
+              <a:ext uri="{FF2B5EF4-FFF2-40B4-BE49-F238E27FC236}">
+                <a16:creationId xmlns:a16="http://schemas.microsoft.com/office/drawing/2014/main" id="{43B25AB8-E67A-4DA5-A786-C1B9BDB2C529}"/>
+              </a:ext>
+            </a:extLst>
+          </p:cNvPr>
+          <p:cNvSpPr>
+            <a:spLocks noGrp="1"/>
+          </p:cNvSpPr>
+          <p:nvPr>
+            <p:ph idx="1"/>
+          </p:nvPr>
+        </p:nvSpPr>
+        <p:spPr>
+          <a:xfrm>
+            <a:off x="548378" y="1253331"/>
+            <a:ext cx="11093656" cy="4351338"/>
+          </a:xfrm>
+        </p:spPr>
+        <p:txBody>
+          <a:bodyPr/>
+          <a:lstStyle/>
+          <a:p>
+            <a:pPr marL="0" indent="0">
+              <a:buNone/>
+            </a:pPr>
+            <a:r>
+              <a:rPr lang="en-US" sz="2400" dirty="0">
+                <a:solidFill>
+                  <a:schemeClr val="accent5"/>
+                </a:solidFill>
+                <a:latin typeface="+mj-lt"/>
+                <a:cs typeface="Arial" panose="020B0604020202020204" pitchFamily="34" charset="0"/>
+              </a:rPr>
+              <a:t>P</a:t>
+            </a:r>
+            <a:r>
+              <a:rPr lang="en-CA" sz="2400" dirty="0" err="1">
+                <a:solidFill>
+                  <a:schemeClr val="accent5"/>
+                </a:solidFill>
+                <a:latin typeface="+mj-lt"/>
+                <a:cs typeface="Arial" panose="020B0604020202020204" pitchFamily="34" charset="0"/>
+              </a:rPr>
+              <a:t>residio</a:t>
+            </a:r>
+            <a:r>
+              <a:rPr lang="en-CA" sz="2400" dirty="0">
+                <a:solidFill>
+                  <a:schemeClr val="accent5"/>
+                </a:solidFill>
+                <a:latin typeface="+mj-lt"/>
+                <a:cs typeface="Arial" panose="020B0604020202020204" pitchFamily="34" charset="0"/>
+              </a:rPr>
+              <a:t> analyzer output:  </a:t>
+            </a:r>
+            <a:endParaRPr lang="en-CA" dirty="0"/>
+          </a:p>
+        </p:txBody>
+      </p:sp>
+      <p:sp>
+        <p:nvSpPr>
+          <p:cNvPr id="12" name="TextBox 11">
+            <a:extLst>
+              <a:ext uri="{FF2B5EF4-FFF2-40B4-BE49-F238E27FC236}">
+                <a16:creationId xmlns:a16="http://schemas.microsoft.com/office/drawing/2014/main" id="{E29F2837-4172-42D1-805E-0E22115B6E76}"/>
+              </a:ext>
+            </a:extLst>
+          </p:cNvPr>
+          <p:cNvSpPr txBox="1"/>
+          <p:nvPr/>
+        </p:nvSpPr>
+        <p:spPr>
+          <a:xfrm>
+            <a:off x="5485660" y="6033637"/>
+            <a:ext cx="1220680" cy="341632"/>
+          </a:xfrm>
+          <a:prstGeom prst="rect">
+            <a:avLst/>
+          </a:prstGeom>
+          <a:noFill/>
+        </p:spPr>
+        <p:txBody>
+          <a:bodyPr wrap="square">
+            <a:spAutoFit/>
+          </a:bodyPr>
+          <a:lstStyle/>
+          <a:p>
+            <a:pPr>
+              <a:lnSpc>
+                <a:spcPct val="90000"/>
+              </a:lnSpc>
+              <a:spcBef>
+                <a:spcPts val="1000"/>
+              </a:spcBef>
+              <a:spcAft>
+                <a:spcPts val="1200"/>
+              </a:spcAft>
+            </a:pPr>
+            <a:r>
+              <a:rPr lang="en-CA" i="1" dirty="0">
+                <a:solidFill>
+                  <a:srgbClr val="515068"/>
+                </a:solidFill>
+                <a:latin typeface="+mj-lt"/>
+                <a:cs typeface="Times New Roman" panose="02020603050405020304" pitchFamily="18" charset="0"/>
+              </a:rPr>
+              <a:t>Figure 9</a:t>
+            </a:r>
+          </a:p>
+        </p:txBody>
+      </p:sp>
+      <p:sp>
+        <p:nvSpPr>
+          <p:cNvPr id="3" name="Title 2">
+            <a:extLst>
+              <a:ext uri="{FF2B5EF4-FFF2-40B4-BE49-F238E27FC236}">
+                <a16:creationId xmlns:a16="http://schemas.microsoft.com/office/drawing/2014/main" id="{7EF44892-68F4-49F8-A79A-EF202406BFA0}"/>
+              </a:ext>
+            </a:extLst>
+          </p:cNvPr>
+          <p:cNvSpPr>
+            <a:spLocks noGrp="1"/>
+          </p:cNvSpPr>
+          <p:nvPr>
+            <p:ph type="title"/>
+          </p:nvPr>
+        </p:nvSpPr>
+        <p:spPr>
+          <a:xfrm>
+            <a:off x="558343" y="525380"/>
+            <a:ext cx="6286340" cy="507243"/>
+          </a:xfrm>
+        </p:spPr>
+        <p:txBody>
+          <a:bodyPr>
+            <a:normAutofit fontScale="90000"/>
+          </a:bodyPr>
+          <a:lstStyle/>
+          <a:p>
+            <a:r>
+              <a:rPr lang="en-CA" sz="2200" dirty="0">
+                <a:latin typeface="Times New Roman" panose="02020603050405020304" pitchFamily="18" charset="0"/>
+                <a:ea typeface="Calibri" panose="020F0502020204030204" pitchFamily="34" charset="0"/>
+                <a:cs typeface="Times New Roman" panose="02020603050405020304" pitchFamily="18" charset="0"/>
+              </a:rPr>
+              <a:t>PII detection using Presidio analyzer-</a:t>
+            </a:r>
+            <a:r>
+              <a:rPr lang="en-CA" sz="2200" dirty="0" err="1">
+                <a:latin typeface="Times New Roman" panose="02020603050405020304" pitchFamily="18" charset="0"/>
+                <a:ea typeface="Calibri" panose="020F0502020204030204" pitchFamily="34" charset="0"/>
+                <a:cs typeface="Times New Roman" panose="02020603050405020304" pitchFamily="18" charset="0"/>
+              </a:rPr>
+              <a:t>AnalyzerEngine</a:t>
+            </a:r>
+            <a:br>
+              <a:rPr lang="en-CA" sz="2000" dirty="0">
+                <a:latin typeface="Times New Roman" panose="02020603050405020304" pitchFamily="18" charset="0"/>
+                <a:ea typeface="Calibri" panose="020F0502020204030204" pitchFamily="34" charset="0"/>
+                <a:cs typeface="Times New Roman" panose="02020603050405020304" pitchFamily="18" charset="0"/>
+              </a:rPr>
+            </a:br>
+            <a:br>
+              <a:rPr lang="en-CA" sz="1600" dirty="0">
+                <a:latin typeface="Calibri" panose="020F0502020204030204" pitchFamily="34" charset="0"/>
+                <a:ea typeface="Calibri" panose="020F0502020204030204" pitchFamily="34" charset="0"/>
+                <a:cs typeface="Times New Roman" panose="02020603050405020304" pitchFamily="18" charset="0"/>
+              </a:rPr>
+            </a:br>
+            <a:br>
+              <a:rPr lang="en-CA" dirty="0"/>
+            </a:br>
+            <a:endParaRPr lang="en-CA" dirty="0"/>
+          </a:p>
+        </p:txBody>
+      </p:sp>
+      <p:pic>
+        <p:nvPicPr>
+          <p:cNvPr id="8" name="Picture 7">
+            <a:extLst>
+              <a:ext uri="{FF2B5EF4-FFF2-40B4-BE49-F238E27FC236}">
+                <a16:creationId xmlns:a16="http://schemas.microsoft.com/office/drawing/2014/main" id="{9CC5ADDD-19E4-4D2A-A725-6B227F1C3283}"/>
+              </a:ext>
+            </a:extLst>
+          </p:cNvPr>
+          <p:cNvPicPr>
+            <a:picLocks noChangeAspect="1"/>
+          </p:cNvPicPr>
+          <p:nvPr/>
+        </p:nvPicPr>
+        <p:blipFill>
+          <a:blip r:embed="rId2"/>
+          <a:stretch>
+            <a:fillRect/>
+          </a:stretch>
+        </p:blipFill>
+        <p:spPr>
+          <a:xfrm>
+            <a:off x="1615737" y="1856580"/>
+            <a:ext cx="8609338" cy="3972262"/>
+          </a:xfrm>
+          <a:prstGeom prst="rect">
+            <a:avLst/>
+          </a:prstGeom>
+        </p:spPr>
+      </p:pic>
+    </p:spTree>
+    <p:extLst>
+      <p:ext uri="{BB962C8B-B14F-4D97-AF65-F5344CB8AC3E}">
+        <p14:creationId xmlns:p14="http://schemas.microsoft.com/office/powerpoint/2010/main" val="2937060916"/>
+      </p:ext>
+    </p:extLst>
+  </p:cSld>
+  <p:clrMapOvr>
+    <a:masterClrMapping/>
+  </p:clrMapOvr>
+</p:sld>
+</file>
+
+<file path=ppt/slides/slide18.xml><?xml version="1.0" encoding="utf-8"?>
+<p:sld xmlns:a="http://schemas.openxmlformats.org/drawingml/2006/main" xmlns:r="http://schemas.openxmlformats.org/officeDocument/2006/relationships" xmlns:p="http://schemas.openxmlformats.org/presentationml/2006/main">
+  <p:cSld>
+    <p:spTree>
+      <p:nvGrpSpPr>
+        <p:cNvPr id="1" name=""/>
+        <p:cNvGrpSpPr/>
+        <p:nvPr/>
+      </p:nvGrpSpPr>
+      <p:grpSpPr>
+        <a:xfrm>
+          <a:off x="0" y="0"/>
+          <a:ext cx="0" cy="0"/>
+          <a:chOff x="0" y="0"/>
+          <a:chExt cx="0" cy="0"/>
+        </a:xfrm>
+      </p:grpSpPr>
+      <p:sp>
+        <p:nvSpPr>
+          <p:cNvPr id="6" name="Text Placeholder 5">
+            <a:extLst>
+              <a:ext uri="{FF2B5EF4-FFF2-40B4-BE49-F238E27FC236}">
+                <a16:creationId xmlns:a16="http://schemas.microsoft.com/office/drawing/2014/main" id="{13197714-23C7-4441-933D-E175185D6439}"/>
+              </a:ext>
+            </a:extLst>
+          </p:cNvPr>
+          <p:cNvSpPr>
+            <a:spLocks noGrp="1"/>
+          </p:cNvSpPr>
+          <p:nvPr>
+            <p:ph type="body" sz="quarter" idx="13"/>
+          </p:nvPr>
+        </p:nvSpPr>
+        <p:spPr>
+          <a:xfrm>
+            <a:off x="7368466" y="512763"/>
+            <a:ext cx="4283534" cy="519861"/>
+          </a:xfrm>
+        </p:spPr>
+        <p:txBody>
+          <a:bodyPr/>
+          <a:lstStyle/>
+          <a:p>
+            <a:r>
+              <a:rPr lang="en-US" dirty="0"/>
+              <a:t>Function output</a:t>
+            </a:r>
+            <a:endParaRPr lang="en-CA" dirty="0"/>
+          </a:p>
+        </p:txBody>
+      </p:sp>
+      <p:sp>
+        <p:nvSpPr>
+          <p:cNvPr id="10" name="Slide Number Placeholder 9">
+            <a:extLst>
+              <a:ext uri="{FF2B5EF4-FFF2-40B4-BE49-F238E27FC236}">
+                <a16:creationId xmlns:a16="http://schemas.microsoft.com/office/drawing/2014/main" id="{7375B61D-205F-4260-B56C-BA154C8DAB37}"/>
+              </a:ext>
+            </a:extLst>
+          </p:cNvPr>
+          <p:cNvSpPr>
+            <a:spLocks noGrp="1"/>
+          </p:cNvSpPr>
+          <p:nvPr>
+            <p:ph type="sldNum" sz="quarter" idx="4"/>
+          </p:nvPr>
+        </p:nvSpPr>
+        <p:spPr/>
+        <p:txBody>
+          <a:bodyPr/>
+          <a:lstStyle/>
+          <a:p>
+            <a:fld id="{901A5C5A-0510-4C91-884B-493304B904E2}" type="slidenum">
+              <a:rPr lang="en-CA" smtClean="0"/>
+              <a:pPr/>
+              <a:t>18</a:t>
             </a:fld>
             <a:endParaRPr lang="en-CA" dirty="0"/>
           </a:p>
@@ -5510,7 +6353,7 @@
 </p:sld>
 </file>
 
-<file path=ppt/slides/slide16.xml><?xml version="1.0" encoding="utf-8"?>
+<file path=ppt/slides/slide19.xml><?xml version="1.0" encoding="utf-8"?>
 <p:sld xmlns:a="http://schemas.openxmlformats.org/drawingml/2006/main" xmlns:r="http://schemas.openxmlformats.org/officeDocument/2006/relationships" xmlns:p="http://schemas.openxmlformats.org/presentationml/2006/main">
   <p:cSld>
     <p:spTree>
@@ -6057,7 +6900,7 @@
           <a:p>
             <a:r>
               <a:rPr lang="en-US" dirty="0"/>
-              <a:t>ETL process </a:t>
+              <a:t>ETL function </a:t>
             </a:r>
             <a:endParaRPr lang="en-CA" dirty="0"/>
           </a:p>
@@ -6115,7 +6958,7 @@
         </p:blipFill>
         <p:spPr>
           <a:xfrm>
-            <a:off x="4176887" y="1126377"/>
+            <a:off x="4025967" y="1126377"/>
             <a:ext cx="4403798" cy="4832884"/>
           </a:xfrm>
           <a:prstGeom prst="rect">
@@ -6178,7 +7021,7 @@
         </p:nvSpPr>
         <p:spPr>
           <a:xfrm>
-            <a:off x="5266233" y="6179616"/>
+            <a:off x="5062046" y="6179616"/>
             <a:ext cx="1659534" cy="341632"/>
           </a:xfrm>
           <a:prstGeom prst="rect">
@@ -6659,10 +7502,9 @@
           <a:lstStyle/>
           <a:p>
             <a:r>
-              <a:rPr lang="en-US" dirty="0"/>
-              <a:t>Function output</a:t>
-            </a:r>
-            <a:endParaRPr lang="en-CA" dirty="0"/>
+              <a:rPr lang="en-CA" dirty="0"/>
+              <a:t>Sentiment analysis function</a:t>
+            </a:r>
           </a:p>
         </p:txBody>
       </p:sp>
@@ -6698,58 +7540,115 @@
       </p:sp>
       <p:sp>
         <p:nvSpPr>
-          <p:cNvPr id="7" name="Content Placeholder 6">
-            <a:extLst>
-              <a:ext uri="{FF2B5EF4-FFF2-40B4-BE49-F238E27FC236}">
-                <a16:creationId xmlns:a16="http://schemas.microsoft.com/office/drawing/2014/main" id="{43B25AB8-E67A-4DA5-A786-C1B9BDB2C529}"/>
-              </a:ext>
-            </a:extLst>
-          </p:cNvPr>
-          <p:cNvSpPr>
-            <a:spLocks noGrp="1"/>
-          </p:cNvSpPr>
-          <p:nvPr>
-            <p:ph idx="1"/>
-          </p:nvPr>
-        </p:nvSpPr>
-        <p:spPr>
-          <a:xfrm>
-            <a:off x="548378" y="1253331"/>
-            <a:ext cx="11093656" cy="4351338"/>
-          </a:xfrm>
-        </p:spPr>
-        <p:txBody>
-          <a:bodyPr/>
+          <p:cNvPr id="12" name="TextBox 11">
+            <a:extLst>
+              <a:ext uri="{FF2B5EF4-FFF2-40B4-BE49-F238E27FC236}">
+                <a16:creationId xmlns:a16="http://schemas.microsoft.com/office/drawing/2014/main" id="{BAF116DE-0FDD-4FB7-8FD9-2E3F78499013}"/>
+              </a:ext>
+            </a:extLst>
+          </p:cNvPr>
+          <p:cNvSpPr txBox="1"/>
+          <p:nvPr/>
+        </p:nvSpPr>
+        <p:spPr>
+          <a:xfrm>
+            <a:off x="558342" y="1252978"/>
+            <a:ext cx="3694062" cy="830997"/>
+          </a:xfrm>
+          <a:prstGeom prst="rect">
+            <a:avLst/>
+          </a:prstGeom>
+          <a:noFill/>
+        </p:spPr>
+        <p:txBody>
+          <a:bodyPr wrap="square">
+            <a:spAutoFit/>
+          </a:bodyPr>
           <a:lstStyle/>
           <a:p>
-            <a:pPr marL="0" indent="0">
-              <a:buNone/>
+            <a:r>
+              <a:rPr lang="en-CA" sz="2400" b="1" dirty="0">
+                <a:solidFill>
+                  <a:schemeClr val="accent5"/>
+                </a:solidFill>
+                <a:latin typeface="+mj-lt"/>
+                <a:cs typeface="Arial" panose="020B0604020202020204" pitchFamily="34" charset="0"/>
+              </a:rPr>
+              <a:t>Sentiment analysis </a:t>
+            </a:r>
+          </a:p>
+          <a:p>
+            <a:r>
+              <a:rPr lang="en-CA" sz="2400" b="1" dirty="0">
+                <a:solidFill>
+                  <a:schemeClr val="accent5"/>
+                </a:solidFill>
+                <a:latin typeface="+mj-lt"/>
+                <a:cs typeface="Arial" panose="020B0604020202020204" pitchFamily="34" charset="0"/>
+              </a:rPr>
+              <a:t>flowchart:</a:t>
+            </a:r>
+          </a:p>
+        </p:txBody>
+      </p:sp>
+      <p:sp>
+        <p:nvSpPr>
+          <p:cNvPr id="13" name="TextBox 12">
+            <a:extLst>
+              <a:ext uri="{FF2B5EF4-FFF2-40B4-BE49-F238E27FC236}">
+                <a16:creationId xmlns:a16="http://schemas.microsoft.com/office/drawing/2014/main" id="{1687738B-7837-4B17-AB99-621D8CE7E29D}"/>
+              </a:ext>
+            </a:extLst>
+          </p:cNvPr>
+          <p:cNvSpPr txBox="1"/>
+          <p:nvPr/>
+        </p:nvSpPr>
+        <p:spPr>
+          <a:xfrm>
+            <a:off x="5266233" y="6174159"/>
+            <a:ext cx="1659534" cy="341632"/>
+          </a:xfrm>
+          <a:prstGeom prst="rect">
+            <a:avLst/>
+          </a:prstGeom>
+          <a:noFill/>
+        </p:spPr>
+        <p:txBody>
+          <a:bodyPr wrap="square">
+            <a:spAutoFit/>
+          </a:bodyPr>
+          <a:lstStyle/>
+          <a:p>
+            <a:pPr>
+              <a:lnSpc>
+                <a:spcPct val="90000"/>
+              </a:lnSpc>
+              <a:spcBef>
+                <a:spcPts val="1000"/>
+              </a:spcBef>
+              <a:spcAft>
+                <a:spcPts val="1200"/>
+              </a:spcAft>
             </a:pPr>
             <a:r>
-              <a:rPr lang="en-CA" sz="2400" dirty="0">
-                <a:solidFill>
-                  <a:schemeClr val="accent5"/>
-                </a:solidFill>
-                <a:latin typeface="+mj-lt"/>
-                <a:cs typeface="Arial" panose="020B0604020202020204" pitchFamily="34" charset="0"/>
-              </a:rPr>
-              <a:t>Plots: Distilbert-base-uncased-finetuned-sst-2-english</a:t>
-            </a:r>
-          </a:p>
-          <a:p>
-            <a:pPr marL="0" indent="0">
-              <a:buNone/>
-            </a:pPr>
-            <a:endParaRPr lang="en-CA" dirty="0"/>
+              <a:rPr lang="en-CA" i="1" dirty="0">
+                <a:solidFill>
+                  <a:srgbClr val="515068"/>
+                </a:solidFill>
+                <a:latin typeface="+mj-lt"/>
+                <a:cs typeface="Times New Roman" panose="02020603050405020304" pitchFamily="18" charset="0"/>
+              </a:rPr>
+              <a:t>Flowchart.2</a:t>
+            </a:r>
           </a:p>
         </p:txBody>
       </p:sp>
       <p:pic>
         <p:nvPicPr>
-          <p:cNvPr id="3" name="Picture 2">
-            <a:extLst>
-              <a:ext uri="{FF2B5EF4-FFF2-40B4-BE49-F238E27FC236}">
-                <a16:creationId xmlns:a16="http://schemas.microsoft.com/office/drawing/2014/main" id="{1F693F13-C4DB-4DB8-8429-E68B03A5C783}"/>
+          <p:cNvPr id="11" name="Picture 10">
+            <a:extLst>
+              <a:ext uri="{FF2B5EF4-FFF2-40B4-BE49-F238E27FC236}">
+                <a16:creationId xmlns:a16="http://schemas.microsoft.com/office/drawing/2014/main" id="{38C44D11-1125-43B1-9B25-B2243DBF5C9D}"/>
               </a:ext>
             </a:extLst>
           </p:cNvPr>
@@ -6766,152 +7665,18 @@
         </p:blipFill>
         <p:spPr>
           <a:xfrm>
-            <a:off x="984722" y="1910652"/>
-            <a:ext cx="4703307" cy="4142363"/>
+            <a:off x="4163626" y="1149696"/>
+            <a:ext cx="4613577" cy="4903319"/>
           </a:xfrm>
           <a:prstGeom prst="rect">
             <a:avLst/>
           </a:prstGeom>
         </p:spPr>
       </p:pic>
-      <p:pic>
-        <p:nvPicPr>
-          <p:cNvPr id="8" name="Picture 7">
-            <a:extLst>
-              <a:ext uri="{FF2B5EF4-FFF2-40B4-BE49-F238E27FC236}">
-                <a16:creationId xmlns:a16="http://schemas.microsoft.com/office/drawing/2014/main" id="{4C5BD52B-21F7-40FD-9163-B29DF68234CF}"/>
-              </a:ext>
-            </a:extLst>
-          </p:cNvPr>
-          <p:cNvPicPr>
-            <a:picLocks noChangeAspect="1"/>
-          </p:cNvPicPr>
-          <p:nvPr/>
-        </p:nvPicPr>
-        <p:blipFill>
-          <a:blip r:embed="rId3"/>
-          <a:stretch>
-            <a:fillRect/>
-          </a:stretch>
-        </p:blipFill>
-        <p:spPr>
-          <a:xfrm>
-            <a:off x="6634805" y="1815454"/>
-            <a:ext cx="4060453" cy="4296102"/>
-          </a:xfrm>
-          <a:prstGeom prst="rect">
-            <a:avLst/>
-          </a:prstGeom>
-        </p:spPr>
-      </p:pic>
-      <p:sp>
-        <p:nvSpPr>
-          <p:cNvPr id="14" name="TextBox 13">
-            <a:extLst>
-              <a:ext uri="{FF2B5EF4-FFF2-40B4-BE49-F238E27FC236}">
-                <a16:creationId xmlns:a16="http://schemas.microsoft.com/office/drawing/2014/main" id="{4EF325B3-67AD-4FF9-9686-D2AA0B790346}"/>
-              </a:ext>
-            </a:extLst>
-          </p:cNvPr>
-          <p:cNvSpPr txBox="1"/>
-          <p:nvPr/>
-        </p:nvSpPr>
-        <p:spPr>
-          <a:xfrm>
-            <a:off x="2726035" y="6111556"/>
-            <a:ext cx="1220680" cy="341632"/>
-          </a:xfrm>
-          <a:prstGeom prst="rect">
-            <a:avLst/>
-          </a:prstGeom>
-          <a:noFill/>
-        </p:spPr>
-        <p:txBody>
-          <a:bodyPr wrap="square">
-            <a:spAutoFit/>
-          </a:bodyPr>
-          <a:lstStyle/>
-          <a:p>
-            <a:pPr>
-              <a:lnSpc>
-                <a:spcPct val="90000"/>
-              </a:lnSpc>
-              <a:spcBef>
-                <a:spcPts val="1000"/>
-              </a:spcBef>
-              <a:spcAft>
-                <a:spcPts val="1200"/>
-              </a:spcAft>
-            </a:pPr>
-            <a:r>
-              <a:rPr lang="en-CA" i="1" dirty="0">
-                <a:solidFill>
-                  <a:srgbClr val="515068"/>
-                </a:solidFill>
-                <a:latin typeface="+mj-lt"/>
-                <a:cs typeface="Times New Roman" panose="02020603050405020304" pitchFamily="18" charset="0"/>
-              </a:rPr>
-              <a:t>Figure.1</a:t>
-            </a:r>
-          </a:p>
-        </p:txBody>
-      </p:sp>
-      <p:sp>
-        <p:nvSpPr>
-          <p:cNvPr id="16" name="TextBox 15">
-            <a:extLst>
-              <a:ext uri="{FF2B5EF4-FFF2-40B4-BE49-F238E27FC236}">
-                <a16:creationId xmlns:a16="http://schemas.microsoft.com/office/drawing/2014/main" id="{7C5741DA-C957-463E-8AEF-A923F16CC4E1}"/>
-              </a:ext>
-            </a:extLst>
-          </p:cNvPr>
-          <p:cNvSpPr txBox="1"/>
-          <p:nvPr/>
-        </p:nvSpPr>
-        <p:spPr>
-          <a:xfrm>
-            <a:off x="8404963" y="6111556"/>
-            <a:ext cx="1105270" cy="341632"/>
-          </a:xfrm>
-          <a:prstGeom prst="rect">
-            <a:avLst/>
-          </a:prstGeom>
-          <a:noFill/>
-        </p:spPr>
-        <p:txBody>
-          <a:bodyPr wrap="square">
-            <a:spAutoFit/>
-          </a:bodyPr>
-          <a:lstStyle/>
-          <a:p>
-            <a:pPr>
-              <a:lnSpc>
-                <a:spcPct val="90000"/>
-              </a:lnSpc>
-              <a:spcBef>
-                <a:spcPts val="1000"/>
-              </a:spcBef>
-              <a:spcAft>
-                <a:spcPts val="1200"/>
-              </a:spcAft>
-            </a:pPr>
-            <a:r>
-              <a:rPr lang="en-CA" i="1" dirty="0">
-                <a:solidFill>
-                  <a:srgbClr val="515068"/>
-                </a:solidFill>
-                <a:latin typeface="+mj-lt"/>
-                <a:cs typeface="Times New Roman" panose="02020603050405020304" pitchFamily="18" charset="0"/>
-              </a:rPr>
-              <a:t>Figure.2</a:t>
-            </a:r>
-          </a:p>
-        </p:txBody>
-      </p:sp>
     </p:spTree>
     <p:extLst>
       <p:ext uri="{BB962C8B-B14F-4D97-AF65-F5344CB8AC3E}">
-        <p14:creationId xmlns:p14="http://schemas.microsoft.com/office/powerpoint/2010/main" val="1426824027"/>
+        <p14:creationId xmlns:p14="http://schemas.microsoft.com/office/powerpoint/2010/main" val="1192835150"/>
       </p:ext>
     </p:extLst>
   </p:cSld>
@@ -7088,17 +7853,23 @@
                 <a:latin typeface="+mj-lt"/>
                 <a:cs typeface="Arial" panose="020B0604020202020204" pitchFamily="34" charset="0"/>
               </a:rPr>
-              <a:t>Data frame: Distilbert-base-uncased-finetuned-sst-2-english  </a:t>
-            </a:r>
+              <a:t>Plots: Distilbert-base-uncased-finetuned-sst-2-english</a:t>
+            </a:r>
+          </a:p>
+          <a:p>
+            <a:pPr marL="0" indent="0">
+              <a:buNone/>
+            </a:pPr>
+            <a:endParaRPr lang="en-CA" dirty="0"/>
           </a:p>
         </p:txBody>
       </p:sp>
       <p:pic>
         <p:nvPicPr>
-          <p:cNvPr id="9" name="Picture 8">
-            <a:extLst>
-              <a:ext uri="{FF2B5EF4-FFF2-40B4-BE49-F238E27FC236}">
-                <a16:creationId xmlns:a16="http://schemas.microsoft.com/office/drawing/2014/main" id="{5609B7F2-EA1D-4FDC-BB08-A4E32EE60F35}"/>
+          <p:cNvPr id="3" name="Picture 2">
+            <a:extLst>
+              <a:ext uri="{FF2B5EF4-FFF2-40B4-BE49-F238E27FC236}">
+                <a16:creationId xmlns:a16="http://schemas.microsoft.com/office/drawing/2014/main" id="{1F693F13-C4DB-4DB8-8429-E68B03A5C783}"/>
               </a:ext>
             </a:extLst>
           </p:cNvPr>
@@ -7115,20 +7886,50 @@
         </p:blipFill>
         <p:spPr>
           <a:xfrm>
-            <a:off x="3424860" y="1705255"/>
-            <a:ext cx="4946400" cy="4351338"/>
+            <a:off x="984722" y="1910652"/>
+            <a:ext cx="4703307" cy="4142363"/>
           </a:xfrm>
           <a:prstGeom prst="rect">
             <a:avLst/>
           </a:prstGeom>
         </p:spPr>
       </p:pic>
-      <p:sp>
-        <p:nvSpPr>
-          <p:cNvPr id="12" name="TextBox 11">
-            <a:extLst>
-              <a:ext uri="{FF2B5EF4-FFF2-40B4-BE49-F238E27FC236}">
-                <a16:creationId xmlns:a16="http://schemas.microsoft.com/office/drawing/2014/main" id="{E29F2837-4172-42D1-805E-0E22115B6E76}"/>
+      <p:pic>
+        <p:nvPicPr>
+          <p:cNvPr id="8" name="Picture 7">
+            <a:extLst>
+              <a:ext uri="{FF2B5EF4-FFF2-40B4-BE49-F238E27FC236}">
+                <a16:creationId xmlns:a16="http://schemas.microsoft.com/office/drawing/2014/main" id="{4C5BD52B-21F7-40FD-9163-B29DF68234CF}"/>
+              </a:ext>
+            </a:extLst>
+          </p:cNvPr>
+          <p:cNvPicPr>
+            <a:picLocks noChangeAspect="1"/>
+          </p:cNvPicPr>
+          <p:nvPr/>
+        </p:nvPicPr>
+        <p:blipFill>
+          <a:blip r:embed="rId3"/>
+          <a:stretch>
+            <a:fillRect/>
+          </a:stretch>
+        </p:blipFill>
+        <p:spPr>
+          <a:xfrm>
+            <a:off x="6634805" y="1815454"/>
+            <a:ext cx="4060453" cy="4296102"/>
+          </a:xfrm>
+          <a:prstGeom prst="rect">
+            <a:avLst/>
+          </a:prstGeom>
+        </p:spPr>
+      </p:pic>
+      <p:sp>
+        <p:nvSpPr>
+          <p:cNvPr id="14" name="TextBox 13">
+            <a:extLst>
+              <a:ext uri="{FF2B5EF4-FFF2-40B4-BE49-F238E27FC236}">
+                <a16:creationId xmlns:a16="http://schemas.microsoft.com/office/drawing/2014/main" id="{4EF325B3-67AD-4FF9-9686-D2AA0B790346}"/>
               </a:ext>
             </a:extLst>
           </p:cNvPr>
@@ -7137,7 +7938,7 @@
         </p:nvSpPr>
         <p:spPr>
           <a:xfrm>
-            <a:off x="5376113" y="6176423"/>
+            <a:off x="2726035" y="6111556"/>
             <a:ext cx="1220680" cy="341632"/>
           </a:xfrm>
           <a:prstGeom prst="rect">
@@ -7170,7 +7971,59 @@
                 <a:latin typeface="+mj-lt"/>
                 <a:cs typeface="Times New Roman" panose="02020603050405020304" pitchFamily="18" charset="0"/>
               </a:rPr>
-              <a:t>Figure 3</a:t>
+              <a:t>Figure.1</a:t>
+            </a:r>
+          </a:p>
+        </p:txBody>
+      </p:sp>
+      <p:sp>
+        <p:nvSpPr>
+          <p:cNvPr id="16" name="TextBox 15">
+            <a:extLst>
+              <a:ext uri="{FF2B5EF4-FFF2-40B4-BE49-F238E27FC236}">
+                <a16:creationId xmlns:a16="http://schemas.microsoft.com/office/drawing/2014/main" id="{7C5741DA-C957-463E-8AEF-A923F16CC4E1}"/>
+              </a:ext>
+            </a:extLst>
+          </p:cNvPr>
+          <p:cNvSpPr txBox="1"/>
+          <p:nvPr/>
+        </p:nvSpPr>
+        <p:spPr>
+          <a:xfrm>
+            <a:off x="8404963" y="6111556"/>
+            <a:ext cx="1105270" cy="341632"/>
+          </a:xfrm>
+          <a:prstGeom prst="rect">
+            <a:avLst/>
+          </a:prstGeom>
+          <a:noFill/>
+        </p:spPr>
+        <p:txBody>
+          <a:bodyPr wrap="square">
+            <a:spAutoFit/>
+          </a:bodyPr>
+          <a:lstStyle/>
+          <a:p>
+            <a:pPr>
+              <a:lnSpc>
+                <a:spcPct val="90000"/>
+              </a:lnSpc>
+              <a:spcBef>
+                <a:spcPts val="1000"/>
+              </a:spcBef>
+              <a:spcAft>
+                <a:spcPts val="1200"/>
+              </a:spcAft>
+            </a:pPr>
+            <a:r>
+              <a:rPr lang="en-CA" i="1" dirty="0">
+                <a:solidFill>
+                  <a:srgbClr val="515068"/>
+                </a:solidFill>
+                <a:latin typeface="+mj-lt"/>
+                <a:cs typeface="Times New Roman" panose="02020603050405020304" pitchFamily="18" charset="0"/>
+              </a:rPr>
+              <a:t>Figure.2</a:t>
             </a:r>
           </a:p>
         </p:txBody>
@@ -7178,7 +8031,7 @@
     </p:spTree>
     <p:extLst>
       <p:ext uri="{BB962C8B-B14F-4D97-AF65-F5344CB8AC3E}">
-        <p14:creationId xmlns:p14="http://schemas.microsoft.com/office/powerpoint/2010/main" val="829062199"/>
+        <p14:creationId xmlns:p14="http://schemas.microsoft.com/office/powerpoint/2010/main" val="1426824027"/>
       </p:ext>
     </p:extLst>
   </p:cSld>
@@ -7282,11 +8135,8 @@
           <a:p>
             <a:r>
               <a:rPr lang="en-US" dirty="0"/>
-              <a:t>Function execution</a:t>
-            </a:r>
-            <a:endParaRPr lang="en-CA" dirty="0"/>
-          </a:p>
-          <a:p>
+              <a:t>Function output</a:t>
+            </a:r>
             <a:endParaRPr lang="en-CA" dirty="0"/>
           </a:p>
         </p:txBody>
@@ -7339,7 +8189,7 @@
         </p:nvSpPr>
         <p:spPr>
           <a:xfrm>
-            <a:off x="549172" y="1253331"/>
+            <a:off x="548378" y="1253331"/>
             <a:ext cx="11093656" cy="4351338"/>
           </a:xfrm>
         </p:spPr>
@@ -7358,210 +8208,97 @@
                 <a:latin typeface="+mj-lt"/>
                 <a:cs typeface="Arial" panose="020B0604020202020204" pitchFamily="34" charset="0"/>
               </a:rPr>
-              <a:t>Model: </a:t>
-            </a:r>
-            <a:r>
-              <a:rPr lang="en-CA" sz="2400" dirty="0" err="1">
-                <a:solidFill>
-                  <a:schemeClr val="accent5"/>
-                </a:solidFill>
-                <a:latin typeface="+mj-lt"/>
-                <a:cs typeface="Arial" panose="020B0604020202020204" pitchFamily="34" charset="0"/>
-              </a:rPr>
-              <a:t>nlptown</a:t>
-            </a:r>
-            <a:r>
-              <a:rPr lang="en-CA" sz="2400" dirty="0">
-                <a:solidFill>
-                  <a:schemeClr val="accent5"/>
-                </a:solidFill>
-                <a:latin typeface="+mj-lt"/>
-                <a:cs typeface="Arial" panose="020B0604020202020204" pitchFamily="34" charset="0"/>
-              </a:rPr>
-              <a:t>/</a:t>
-            </a:r>
-            <a:r>
-              <a:rPr lang="en-CA" sz="2400" dirty="0" err="1">
-                <a:solidFill>
-                  <a:schemeClr val="accent5"/>
-                </a:solidFill>
-                <a:latin typeface="+mj-lt"/>
-                <a:cs typeface="Arial" panose="020B0604020202020204" pitchFamily="34" charset="0"/>
-              </a:rPr>
-              <a:t>bert</a:t>
-            </a:r>
-            <a:r>
-              <a:rPr lang="en-CA" sz="2400" dirty="0">
-                <a:solidFill>
-                  <a:schemeClr val="accent5"/>
-                </a:solidFill>
-                <a:latin typeface="+mj-lt"/>
-                <a:cs typeface="Arial" panose="020B0604020202020204" pitchFamily="34" charset="0"/>
-              </a:rPr>
-              <a:t>-base-multilingual-uncased-sentiment</a:t>
-            </a:r>
-          </a:p>
-          <a:p>
-            <a:pPr marL="0" indent="0">
-              <a:buNone/>
+              <a:t>Data frame: Distilbert-base-uncased-finetuned-sst-2-english  </a:t>
+            </a:r>
+          </a:p>
+        </p:txBody>
+      </p:sp>
+      <p:pic>
+        <p:nvPicPr>
+          <p:cNvPr id="9" name="Picture 8">
+            <a:extLst>
+              <a:ext uri="{FF2B5EF4-FFF2-40B4-BE49-F238E27FC236}">
+                <a16:creationId xmlns:a16="http://schemas.microsoft.com/office/drawing/2014/main" id="{5609B7F2-EA1D-4FDC-BB08-A4E32EE60F35}"/>
+              </a:ext>
+            </a:extLst>
+          </p:cNvPr>
+          <p:cNvPicPr>
+            <a:picLocks noChangeAspect="1"/>
+          </p:cNvPicPr>
+          <p:nvPr/>
+        </p:nvPicPr>
+        <p:blipFill>
+          <a:blip r:embed="rId2"/>
+          <a:stretch>
+            <a:fillRect/>
+          </a:stretch>
+        </p:blipFill>
+        <p:spPr>
+          <a:xfrm>
+            <a:off x="3424860" y="1705255"/>
+            <a:ext cx="4946400" cy="4351338"/>
+          </a:xfrm>
+          <a:prstGeom prst="rect">
+            <a:avLst/>
+          </a:prstGeom>
+        </p:spPr>
+      </p:pic>
+      <p:sp>
+        <p:nvSpPr>
+          <p:cNvPr id="12" name="TextBox 11">
+            <a:extLst>
+              <a:ext uri="{FF2B5EF4-FFF2-40B4-BE49-F238E27FC236}">
+                <a16:creationId xmlns:a16="http://schemas.microsoft.com/office/drawing/2014/main" id="{E29F2837-4172-42D1-805E-0E22115B6E76}"/>
+              </a:ext>
+            </a:extLst>
+          </p:cNvPr>
+          <p:cNvSpPr txBox="1"/>
+          <p:nvPr/>
+        </p:nvSpPr>
+        <p:spPr>
+          <a:xfrm>
+            <a:off x="5376113" y="6176423"/>
+            <a:ext cx="1220680" cy="341632"/>
+          </a:xfrm>
+          <a:prstGeom prst="rect">
+            <a:avLst/>
+          </a:prstGeom>
+          <a:noFill/>
+        </p:spPr>
+        <p:txBody>
+          <a:bodyPr wrap="square">
+            <a:spAutoFit/>
+          </a:bodyPr>
+          <a:lstStyle/>
+          <a:p>
+            <a:pPr>
+              <a:lnSpc>
+                <a:spcPct val="90000"/>
+              </a:lnSpc>
+              <a:spcBef>
+                <a:spcPts val="1000"/>
+              </a:spcBef>
+              <a:spcAft>
+                <a:spcPts val="1200"/>
+              </a:spcAft>
             </a:pPr>
             <a:r>
-              <a:rPr lang="en-CA" sz="1800" dirty="0">
-                <a:solidFill>
-                  <a:srgbClr val="2A283C"/>
-                </a:solidFill>
-                <a:latin typeface="+mj-lt"/>
-                <a:cs typeface="Times New Roman" panose="02020603050405020304" pitchFamily="18" charset="0"/>
-              </a:rPr>
-              <a:t>Sample data:  </a:t>
-            </a:r>
-          </a:p>
-          <a:p>
-            <a:pPr marL="342900" indent="-342900">
-              <a:buFont typeface="+mj-lt"/>
-              <a:buAutoNum type="arabicPeriod"/>
-            </a:pPr>
-            <a:r>
-              <a:rPr lang="en-CA" sz="1800" b="0" dirty="0">
-                <a:solidFill>
-                  <a:srgbClr val="2A283C"/>
-                </a:solidFill>
-                <a:latin typeface="+mj-lt"/>
-                <a:cs typeface="Times New Roman" panose="02020603050405020304" pitchFamily="18" charset="0"/>
-              </a:rPr>
-              <a:t>The_Apollo_11_Conspiracy.docx (Size 14.5kb) </a:t>
-            </a:r>
-          </a:p>
-          <a:p>
-            <a:pPr marL="342900" indent="-342900">
-              <a:buFont typeface="+mj-lt"/>
-              <a:buAutoNum type="arabicPeriod"/>
-            </a:pPr>
-            <a:r>
-              <a:rPr lang="en-CA" sz="1800" b="0" dirty="0">
-                <a:solidFill>
-                  <a:srgbClr val="2A283C"/>
-                </a:solidFill>
-                <a:latin typeface="+mj-lt"/>
-                <a:cs typeface="Times New Roman" panose="02020603050405020304" pitchFamily="18" charset="0"/>
-              </a:rPr>
-              <a:t>James_Webb_Space_Telescope.html (100 kb/ 9200 words approx.)</a:t>
-            </a:r>
-          </a:p>
-          <a:p>
-            <a:pPr marL="0" marR="0" indent="0">
-              <a:buNone/>
-            </a:pPr>
-            <a:r>
-              <a:rPr lang="en-CA" sz="1800" dirty="0">
-                <a:solidFill>
-                  <a:srgbClr val="2A283C"/>
-                </a:solidFill>
-                <a:latin typeface="+mj-lt"/>
-                <a:cs typeface="Times New Roman" panose="02020603050405020304" pitchFamily="18" charset="0"/>
-              </a:rPr>
-              <a:t>Execution time: </a:t>
-            </a:r>
-          </a:p>
-          <a:p>
-            <a:r>
-              <a:rPr lang="en-CA" sz="1800" b="0" dirty="0">
-                <a:solidFill>
-                  <a:srgbClr val="2A283C"/>
-                </a:solidFill>
-                <a:latin typeface="+mj-lt"/>
-                <a:cs typeface="Times New Roman" panose="02020603050405020304" pitchFamily="18" charset="0"/>
-              </a:rPr>
-              <a:t>Sentiment analysis for </a:t>
-            </a:r>
-            <a:r>
-              <a:rPr lang="en-CA" sz="1800" b="0" u="sng" dirty="0">
-                <a:solidFill>
-                  <a:srgbClr val="2A283C"/>
-                </a:solidFill>
-                <a:latin typeface="+mj-lt"/>
-                <a:cs typeface="Times New Roman" panose="02020603050405020304" pitchFamily="18" charset="0"/>
-              </a:rPr>
-              <a:t>The_Apollo_11_Conspiracy.docx</a:t>
-            </a:r>
-            <a:r>
-              <a:rPr lang="en-CA" sz="1800" b="0" dirty="0">
-                <a:solidFill>
-                  <a:srgbClr val="2A283C"/>
-                </a:solidFill>
-                <a:latin typeface="+mj-lt"/>
-                <a:cs typeface="Times New Roman" panose="02020603050405020304" pitchFamily="18" charset="0"/>
-              </a:rPr>
-              <a:t> completed in: </a:t>
-            </a:r>
-            <a:r>
-              <a:rPr lang="en-CA" sz="1800" b="0" dirty="0">
-                <a:solidFill>
-                  <a:srgbClr val="2A283C"/>
-                </a:solidFill>
-                <a:highlight>
-                  <a:srgbClr val="FFFF00"/>
-                </a:highlight>
-                <a:latin typeface="+mj-lt"/>
-                <a:cs typeface="Times New Roman" panose="02020603050405020304" pitchFamily="18" charset="0"/>
-              </a:rPr>
-              <a:t>0.56 seconds </a:t>
-            </a:r>
-          </a:p>
-          <a:p>
-            <a:r>
-              <a:rPr lang="en-CA" sz="1800" b="0" dirty="0">
-                <a:solidFill>
-                  <a:srgbClr val="2A283C"/>
-                </a:solidFill>
-                <a:latin typeface="+mj-lt"/>
-                <a:cs typeface="Times New Roman" panose="02020603050405020304" pitchFamily="18" charset="0"/>
-              </a:rPr>
-              <a:t>Sentiment analysis for </a:t>
-            </a:r>
-            <a:r>
-              <a:rPr lang="en-CA" sz="1800" b="0" u="sng" dirty="0">
-                <a:solidFill>
-                  <a:srgbClr val="2A283C"/>
-                </a:solidFill>
-                <a:latin typeface="+mj-lt"/>
-                <a:cs typeface="Times New Roman" panose="02020603050405020304" pitchFamily="18" charset="0"/>
-              </a:rPr>
-              <a:t>James_Webb_Space_Telescope.html</a:t>
-            </a:r>
-            <a:r>
-              <a:rPr lang="en-CA" sz="1800" b="0" dirty="0">
-                <a:solidFill>
-                  <a:srgbClr val="2A283C"/>
-                </a:solidFill>
-                <a:latin typeface="+mj-lt"/>
-                <a:cs typeface="Times New Roman" panose="02020603050405020304" pitchFamily="18" charset="0"/>
-              </a:rPr>
-              <a:t> completed in: </a:t>
-            </a:r>
-            <a:r>
-              <a:rPr lang="en-CA" sz="1800" b="0" dirty="0">
-                <a:solidFill>
-                  <a:srgbClr val="2A283C"/>
-                </a:solidFill>
-                <a:highlight>
-                  <a:srgbClr val="FFFF00"/>
-                </a:highlight>
-                <a:latin typeface="+mj-lt"/>
-                <a:cs typeface="Times New Roman" panose="02020603050405020304" pitchFamily="18" charset="0"/>
-              </a:rPr>
-              <a:t>5.43 seconds</a:t>
-            </a:r>
-          </a:p>
-          <a:p>
-            <a:endParaRPr lang="en-CA" dirty="0"/>
+              <a:rPr lang="en-CA" i="1" dirty="0">
+                <a:solidFill>
+                  <a:srgbClr val="515068"/>
+                </a:solidFill>
+                <a:latin typeface="+mj-lt"/>
+                <a:cs typeface="Times New Roman" panose="02020603050405020304" pitchFamily="18" charset="0"/>
+              </a:rPr>
+              <a:t>Figure 3</a:t>
+            </a:r>
           </a:p>
         </p:txBody>
       </p:sp>
     </p:spTree>
     <p:extLst>
       <p:ext uri="{BB962C8B-B14F-4D97-AF65-F5344CB8AC3E}">
-        <p14:creationId xmlns:p14="http://schemas.microsoft.com/office/powerpoint/2010/main" val="80290907"/>
+        <p14:creationId xmlns:p14="http://schemas.microsoft.com/office/powerpoint/2010/main" val="829062199"/>
       </p:ext>
     </p:extLst>
   </p:cSld>
@@ -7665,8 +8402,11 @@
           <a:p>
             <a:r>
               <a:rPr lang="en-US" dirty="0"/>
-              <a:t>Function output</a:t>
-            </a:r>
+              <a:t>Function execution</a:t>
+            </a:r>
+            <a:endParaRPr lang="en-CA" dirty="0"/>
+          </a:p>
+          <a:p>
             <a:endParaRPr lang="en-CA" dirty="0"/>
           </a:p>
         </p:txBody>
@@ -7719,7 +8459,7 @@
         </p:nvSpPr>
         <p:spPr>
           <a:xfrm>
-            <a:off x="548378" y="1253331"/>
+            <a:off x="549172" y="1253331"/>
             <a:ext cx="11093656" cy="4351338"/>
           </a:xfrm>
         </p:spPr>
@@ -7738,7 +8478,7 @@
                 <a:latin typeface="+mj-lt"/>
                 <a:cs typeface="Arial" panose="020B0604020202020204" pitchFamily="34" charset="0"/>
               </a:rPr>
-              <a:t>Plots: </a:t>
+              <a:t>Model: </a:t>
             </a:r>
             <a:r>
               <a:rPr lang="en-CA" sz="2400" dirty="0" err="1">
@@ -7785,178 +8525,163 @@
             <a:pPr marL="0" indent="0">
               <a:buNone/>
             </a:pPr>
+            <a:r>
+              <a:rPr lang="en-CA" sz="1800" dirty="0">
+                <a:solidFill>
+                  <a:srgbClr val="2A283C"/>
+                </a:solidFill>
+                <a:latin typeface="+mj-lt"/>
+                <a:cs typeface="Times New Roman" panose="02020603050405020304" pitchFamily="18" charset="0"/>
+              </a:rPr>
+              <a:t>Sample data:  </a:t>
+            </a:r>
+          </a:p>
+          <a:p>
+            <a:pPr marL="342900" indent="-342900">
+              <a:buFont typeface="+mj-lt"/>
+              <a:buAutoNum type="arabicPeriod"/>
+            </a:pPr>
+            <a:r>
+              <a:rPr lang="en-CA" sz="1800" b="0" dirty="0">
+                <a:solidFill>
+                  <a:srgbClr val="2A283C"/>
+                </a:solidFill>
+                <a:latin typeface="+mj-lt"/>
+                <a:cs typeface="Times New Roman" panose="02020603050405020304" pitchFamily="18" charset="0"/>
+              </a:rPr>
+              <a:t>The_Apollo_11_Conspiracy.docx (Size 14.5kb) </a:t>
+            </a:r>
+          </a:p>
+          <a:p>
+            <a:pPr marL="342900" indent="-342900">
+              <a:buFont typeface="+mj-lt"/>
+              <a:buAutoNum type="arabicPeriod"/>
+            </a:pPr>
+            <a:r>
+              <a:rPr lang="en-CA" sz="1800" b="0" dirty="0">
+                <a:solidFill>
+                  <a:srgbClr val="2A283C"/>
+                </a:solidFill>
+                <a:latin typeface="+mj-lt"/>
+                <a:cs typeface="Times New Roman" panose="02020603050405020304" pitchFamily="18" charset="0"/>
+              </a:rPr>
+              <a:t>James_Webb_Space_Telescope.html (100 kb/ 9200 words approx.)</a:t>
+            </a:r>
+          </a:p>
+          <a:p>
+            <a:pPr marL="0" marR="0" indent="0">
+              <a:buNone/>
+            </a:pPr>
+            <a:r>
+              <a:rPr lang="en-CA" sz="1800" dirty="0">
+                <a:solidFill>
+                  <a:srgbClr val="2A283C"/>
+                </a:solidFill>
+                <a:latin typeface="+mj-lt"/>
+                <a:cs typeface="Times New Roman" panose="02020603050405020304" pitchFamily="18" charset="0"/>
+              </a:rPr>
+              <a:t>Execution time: </a:t>
+            </a:r>
+          </a:p>
+          <a:p>
+            <a:r>
+              <a:rPr lang="en-CA" sz="1800" b="0" dirty="0">
+                <a:solidFill>
+                  <a:srgbClr val="2A283C"/>
+                </a:solidFill>
+                <a:latin typeface="+mj-lt"/>
+                <a:cs typeface="Times New Roman" panose="02020603050405020304" pitchFamily="18" charset="0"/>
+              </a:rPr>
+              <a:t>Sentiment analysis for </a:t>
+            </a:r>
+            <a:r>
+              <a:rPr lang="en-CA" sz="1800" b="0" u="sng" dirty="0">
+                <a:solidFill>
+                  <a:srgbClr val="2A283C"/>
+                </a:solidFill>
+                <a:latin typeface="+mj-lt"/>
+                <a:cs typeface="Times New Roman" panose="02020603050405020304" pitchFamily="18" charset="0"/>
+              </a:rPr>
+              <a:t>The_Apollo_11_Conspiracy.docx</a:t>
+            </a:r>
+            <a:r>
+              <a:rPr lang="en-CA" sz="1800" b="0" dirty="0">
+                <a:solidFill>
+                  <a:srgbClr val="2A283C"/>
+                </a:solidFill>
+                <a:latin typeface="+mj-lt"/>
+                <a:cs typeface="Times New Roman" panose="02020603050405020304" pitchFamily="18" charset="0"/>
+              </a:rPr>
+              <a:t> completed in: </a:t>
+            </a:r>
+            <a:r>
+              <a:rPr lang="en-CA" sz="1800" b="0" dirty="0">
+                <a:solidFill>
+                  <a:srgbClr val="2A283C"/>
+                </a:solidFill>
+                <a:highlight>
+                  <a:srgbClr val="FFFF00"/>
+                </a:highlight>
+                <a:latin typeface="+mj-lt"/>
+                <a:cs typeface="Times New Roman" panose="02020603050405020304" pitchFamily="18" charset="0"/>
+              </a:rPr>
+              <a:t>0.56 seconds </a:t>
+            </a:r>
+          </a:p>
+          <a:p>
+            <a:r>
+              <a:rPr lang="en-CA" sz="1800" b="0" dirty="0">
+                <a:solidFill>
+                  <a:srgbClr val="2A283C"/>
+                </a:solidFill>
+                <a:latin typeface="+mj-lt"/>
+                <a:cs typeface="Times New Roman" panose="02020603050405020304" pitchFamily="18" charset="0"/>
+              </a:rPr>
+              <a:t>Sentiment analysis for </a:t>
+            </a:r>
+            <a:r>
+              <a:rPr lang="en-CA" sz="1800" b="0" u="sng" dirty="0">
+                <a:solidFill>
+                  <a:srgbClr val="2A283C"/>
+                </a:solidFill>
+                <a:latin typeface="+mj-lt"/>
+                <a:cs typeface="Times New Roman" panose="02020603050405020304" pitchFamily="18" charset="0"/>
+              </a:rPr>
+              <a:t>James_Webb_Space_Telescope.html</a:t>
+            </a:r>
+            <a:r>
+              <a:rPr lang="en-CA" sz="1800" b="0" dirty="0">
+                <a:solidFill>
+                  <a:srgbClr val="2A283C"/>
+                </a:solidFill>
+                <a:latin typeface="+mj-lt"/>
+                <a:cs typeface="Times New Roman" panose="02020603050405020304" pitchFamily="18" charset="0"/>
+              </a:rPr>
+              <a:t> completed in: </a:t>
+            </a:r>
+            <a:r>
+              <a:rPr lang="en-CA" sz="1800" b="0" dirty="0">
+                <a:solidFill>
+                  <a:srgbClr val="2A283C"/>
+                </a:solidFill>
+                <a:highlight>
+                  <a:srgbClr val="FFFF00"/>
+                </a:highlight>
+                <a:latin typeface="+mj-lt"/>
+                <a:cs typeface="Times New Roman" panose="02020603050405020304" pitchFamily="18" charset="0"/>
+              </a:rPr>
+              <a:t>5.43 seconds</a:t>
+            </a:r>
+          </a:p>
+          <a:p>
             <a:endParaRPr lang="en-CA" dirty="0"/>
           </a:p>
         </p:txBody>
       </p:sp>
-      <p:sp>
-        <p:nvSpPr>
-          <p:cNvPr id="14" name="TextBox 13">
-            <a:extLst>
-              <a:ext uri="{FF2B5EF4-FFF2-40B4-BE49-F238E27FC236}">
-                <a16:creationId xmlns:a16="http://schemas.microsoft.com/office/drawing/2014/main" id="{4EF325B3-67AD-4FF9-9686-D2AA0B790346}"/>
-              </a:ext>
-            </a:extLst>
-          </p:cNvPr>
-          <p:cNvSpPr txBox="1"/>
-          <p:nvPr/>
-        </p:nvSpPr>
-        <p:spPr>
-          <a:xfrm>
-            <a:off x="2711452" y="6082285"/>
-            <a:ext cx="1220680" cy="341632"/>
-          </a:xfrm>
-          <a:prstGeom prst="rect">
-            <a:avLst/>
-          </a:prstGeom>
-          <a:noFill/>
-        </p:spPr>
-        <p:txBody>
-          <a:bodyPr wrap="square">
-            <a:spAutoFit/>
-          </a:bodyPr>
-          <a:lstStyle/>
-          <a:p>
-            <a:pPr>
-              <a:lnSpc>
-                <a:spcPct val="90000"/>
-              </a:lnSpc>
-              <a:spcBef>
-                <a:spcPts val="1000"/>
-              </a:spcBef>
-              <a:spcAft>
-                <a:spcPts val="1200"/>
-              </a:spcAft>
-            </a:pPr>
-            <a:r>
-              <a:rPr lang="en-CA" i="1" dirty="0">
-                <a:solidFill>
-                  <a:srgbClr val="515068"/>
-                </a:solidFill>
-                <a:latin typeface="+mj-lt"/>
-                <a:cs typeface="Times New Roman" panose="02020603050405020304" pitchFamily="18" charset="0"/>
-              </a:rPr>
-              <a:t>Figure.4</a:t>
-            </a:r>
-          </a:p>
-        </p:txBody>
-      </p:sp>
-      <p:sp>
-        <p:nvSpPr>
-          <p:cNvPr id="16" name="TextBox 15">
-            <a:extLst>
-              <a:ext uri="{FF2B5EF4-FFF2-40B4-BE49-F238E27FC236}">
-                <a16:creationId xmlns:a16="http://schemas.microsoft.com/office/drawing/2014/main" id="{7C5741DA-C957-463E-8AEF-A923F16CC4E1}"/>
-              </a:ext>
-            </a:extLst>
-          </p:cNvPr>
-          <p:cNvSpPr txBox="1"/>
-          <p:nvPr/>
-        </p:nvSpPr>
-        <p:spPr>
-          <a:xfrm>
-            <a:off x="8493740" y="6082285"/>
-            <a:ext cx="1105270" cy="341632"/>
-          </a:xfrm>
-          <a:prstGeom prst="rect">
-            <a:avLst/>
-          </a:prstGeom>
-          <a:noFill/>
-        </p:spPr>
-        <p:txBody>
-          <a:bodyPr wrap="square">
-            <a:spAutoFit/>
-          </a:bodyPr>
-          <a:lstStyle/>
-          <a:p>
-            <a:pPr>
-              <a:lnSpc>
-                <a:spcPct val="90000"/>
-              </a:lnSpc>
-              <a:spcBef>
-                <a:spcPts val="1000"/>
-              </a:spcBef>
-              <a:spcAft>
-                <a:spcPts val="1200"/>
-              </a:spcAft>
-            </a:pPr>
-            <a:r>
-              <a:rPr lang="en-CA" i="1" dirty="0">
-                <a:solidFill>
-                  <a:srgbClr val="515068"/>
-                </a:solidFill>
-                <a:latin typeface="+mj-lt"/>
-                <a:cs typeface="Times New Roman" panose="02020603050405020304" pitchFamily="18" charset="0"/>
-              </a:rPr>
-              <a:t>Figure.5</a:t>
-            </a:r>
-          </a:p>
-        </p:txBody>
-      </p:sp>
-      <p:pic>
-        <p:nvPicPr>
-          <p:cNvPr id="5" name="Picture 4">
-            <a:extLst>
-              <a:ext uri="{FF2B5EF4-FFF2-40B4-BE49-F238E27FC236}">
-                <a16:creationId xmlns:a16="http://schemas.microsoft.com/office/drawing/2014/main" id="{1A73E3E5-61D0-401D-888A-E57486BCB79B}"/>
-              </a:ext>
-            </a:extLst>
-          </p:cNvPr>
-          <p:cNvPicPr>
-            <a:picLocks noChangeAspect="1"/>
-          </p:cNvPicPr>
-          <p:nvPr/>
-        </p:nvPicPr>
-        <p:blipFill>
-          <a:blip r:embed="rId2"/>
-          <a:stretch>
-            <a:fillRect/>
-          </a:stretch>
-        </p:blipFill>
-        <p:spPr>
-          <a:xfrm>
-            <a:off x="775045" y="1801169"/>
-            <a:ext cx="5253120" cy="4120094"/>
-          </a:xfrm>
-          <a:prstGeom prst="rect">
-            <a:avLst/>
-          </a:prstGeom>
-        </p:spPr>
-      </p:pic>
-      <p:pic>
-        <p:nvPicPr>
-          <p:cNvPr id="11" name="Picture 10">
-            <a:extLst>
-              <a:ext uri="{FF2B5EF4-FFF2-40B4-BE49-F238E27FC236}">
-                <a16:creationId xmlns:a16="http://schemas.microsoft.com/office/drawing/2014/main" id="{DF870EF3-6984-494E-A2F9-E287022A5DD5}"/>
-              </a:ext>
-            </a:extLst>
-          </p:cNvPr>
-          <p:cNvPicPr>
-            <a:picLocks noChangeAspect="1"/>
-          </p:cNvPicPr>
-          <p:nvPr/>
-        </p:nvPicPr>
-        <p:blipFill>
-          <a:blip r:embed="rId3"/>
-          <a:stretch>
-            <a:fillRect/>
-          </a:stretch>
-        </p:blipFill>
-        <p:spPr>
-          <a:xfrm>
-            <a:off x="6095206" y="2369966"/>
-            <a:ext cx="5253121" cy="3551297"/>
-          </a:xfrm>
-          <a:prstGeom prst="rect">
-            <a:avLst/>
-          </a:prstGeom>
-        </p:spPr>
-      </p:pic>
     </p:spTree>
     <p:extLst>
       <p:ext uri="{BB962C8B-B14F-4D97-AF65-F5344CB8AC3E}">
-        <p14:creationId xmlns:p14="http://schemas.microsoft.com/office/powerpoint/2010/main" val="2331673480"/>
+        <p14:creationId xmlns:p14="http://schemas.microsoft.com/office/powerpoint/2010/main" val="80290907"/>
       </p:ext>
     </p:extLst>
   </p:cSld>
@@ -8133,43 +8858,63 @@
                 <a:latin typeface="+mj-lt"/>
                 <a:cs typeface="Arial" panose="020B0604020202020204" pitchFamily="34" charset="0"/>
               </a:rPr>
-              <a:t>Data frame: </a:t>
-            </a:r>
-            <a:r>
-              <a:rPr lang="en-CA" sz="2400" b="1" dirty="0">
+              <a:t>Plots: </a:t>
+            </a:r>
+            <a:r>
+              <a:rPr lang="en-CA" sz="2400" dirty="0" err="1">
                 <a:solidFill>
                   <a:schemeClr val="accent5"/>
                 </a:solidFill>
                 <a:latin typeface="+mj-lt"/>
                 <a:cs typeface="Arial" panose="020B0604020202020204" pitchFamily="34" charset="0"/>
               </a:rPr>
-              <a:t>Distilbert-base-uncased-finetuned-sst-2-english</a:t>
+              <a:t>nlptown</a:t>
+            </a:r>
+            <a:r>
+              <a:rPr lang="en-CA" sz="2400" dirty="0">
+                <a:solidFill>
+                  <a:schemeClr val="accent5"/>
+                </a:solidFill>
+                <a:latin typeface="+mj-lt"/>
+                <a:cs typeface="Arial" panose="020B0604020202020204" pitchFamily="34" charset="0"/>
+              </a:rPr>
+              <a:t>/</a:t>
+            </a:r>
+            <a:r>
+              <a:rPr lang="en-CA" sz="2400" dirty="0" err="1">
+                <a:solidFill>
+                  <a:schemeClr val="accent5"/>
+                </a:solidFill>
+                <a:latin typeface="+mj-lt"/>
+                <a:cs typeface="Arial" panose="020B0604020202020204" pitchFamily="34" charset="0"/>
+              </a:rPr>
+              <a:t>bert</a:t>
+            </a:r>
+            <a:r>
+              <a:rPr lang="en-CA" sz="2400" dirty="0">
+                <a:solidFill>
+                  <a:schemeClr val="accent5"/>
+                </a:solidFill>
+                <a:latin typeface="+mj-lt"/>
+                <a:cs typeface="Arial" panose="020B0604020202020204" pitchFamily="34" charset="0"/>
+              </a:rPr>
+              <a:t>-base-multilingual-uncased-sentiment</a:t>
             </a:r>
           </a:p>
           <a:p>
             <a:pPr marL="0" indent="0">
               <a:buNone/>
             </a:pPr>
-            <a:r>
-              <a:rPr lang="en-CA" sz="2400" dirty="0">
-                <a:solidFill>
-                  <a:schemeClr val="accent5"/>
-                </a:solidFill>
-                <a:latin typeface="+mj-lt"/>
-                <a:cs typeface="Arial" panose="020B0604020202020204" pitchFamily="34" charset="0"/>
-              </a:rPr>
-              <a:t> </a:t>
-            </a:r>
             <a:endParaRPr lang="en-CA" dirty="0"/>
           </a:p>
         </p:txBody>
       </p:sp>
       <p:sp>
         <p:nvSpPr>
-          <p:cNvPr id="12" name="TextBox 11">
-            <a:extLst>
-              <a:ext uri="{FF2B5EF4-FFF2-40B4-BE49-F238E27FC236}">
-                <a16:creationId xmlns:a16="http://schemas.microsoft.com/office/drawing/2014/main" id="{E29F2837-4172-42D1-805E-0E22115B6E76}"/>
+          <p:cNvPr id="14" name="TextBox 13">
+            <a:extLst>
+              <a:ext uri="{FF2B5EF4-FFF2-40B4-BE49-F238E27FC236}">
+                <a16:creationId xmlns:a16="http://schemas.microsoft.com/office/drawing/2014/main" id="{4EF325B3-67AD-4FF9-9686-D2AA0B790346}"/>
               </a:ext>
             </a:extLst>
           </p:cNvPr>
@@ -8178,7 +8923,7 @@
         </p:nvSpPr>
         <p:spPr>
           <a:xfrm>
-            <a:off x="5376113" y="6082285"/>
+            <a:off x="2711452" y="6082285"/>
             <a:ext cx="1220680" cy="341632"/>
           </a:xfrm>
           <a:prstGeom prst="rect">
@@ -8211,17 +8956,69 @@
                 <a:latin typeface="+mj-lt"/>
                 <a:cs typeface="Times New Roman" panose="02020603050405020304" pitchFamily="18" charset="0"/>
               </a:rPr>
-              <a:t>Figure 6</a:t>
+              <a:t>Figure.4</a:t>
+            </a:r>
+          </a:p>
+        </p:txBody>
+      </p:sp>
+      <p:sp>
+        <p:nvSpPr>
+          <p:cNvPr id="16" name="TextBox 15">
+            <a:extLst>
+              <a:ext uri="{FF2B5EF4-FFF2-40B4-BE49-F238E27FC236}">
+                <a16:creationId xmlns:a16="http://schemas.microsoft.com/office/drawing/2014/main" id="{7C5741DA-C957-463E-8AEF-A923F16CC4E1}"/>
+              </a:ext>
+            </a:extLst>
+          </p:cNvPr>
+          <p:cNvSpPr txBox="1"/>
+          <p:nvPr/>
+        </p:nvSpPr>
+        <p:spPr>
+          <a:xfrm>
+            <a:off x="8493740" y="6082285"/>
+            <a:ext cx="1105270" cy="341632"/>
+          </a:xfrm>
+          <a:prstGeom prst="rect">
+            <a:avLst/>
+          </a:prstGeom>
+          <a:noFill/>
+        </p:spPr>
+        <p:txBody>
+          <a:bodyPr wrap="square">
+            <a:spAutoFit/>
+          </a:bodyPr>
+          <a:lstStyle/>
+          <a:p>
+            <a:pPr>
+              <a:lnSpc>
+                <a:spcPct val="90000"/>
+              </a:lnSpc>
+              <a:spcBef>
+                <a:spcPts val="1000"/>
+              </a:spcBef>
+              <a:spcAft>
+                <a:spcPts val="1200"/>
+              </a:spcAft>
+            </a:pPr>
+            <a:r>
+              <a:rPr lang="en-CA" i="1" dirty="0">
+                <a:solidFill>
+                  <a:srgbClr val="515068"/>
+                </a:solidFill>
+                <a:latin typeface="+mj-lt"/>
+                <a:cs typeface="Times New Roman" panose="02020603050405020304" pitchFamily="18" charset="0"/>
+              </a:rPr>
+              <a:t>Figure.5</a:t>
             </a:r>
           </a:p>
         </p:txBody>
       </p:sp>
       <p:pic>
         <p:nvPicPr>
-          <p:cNvPr id="13" name="Picture 12">
-            <a:extLst>
-              <a:ext uri="{FF2B5EF4-FFF2-40B4-BE49-F238E27FC236}">
-                <a16:creationId xmlns:a16="http://schemas.microsoft.com/office/drawing/2014/main" id="{632EFCF0-8E4D-42E1-8F55-0972C082058E}"/>
+          <p:cNvPr id="5" name="Picture 4">
+            <a:extLst>
+              <a:ext uri="{FF2B5EF4-FFF2-40B4-BE49-F238E27FC236}">
+                <a16:creationId xmlns:a16="http://schemas.microsoft.com/office/drawing/2014/main" id="{1A73E3E5-61D0-401D-888A-E57486BCB79B}"/>
               </a:ext>
             </a:extLst>
           </p:cNvPr>
@@ -8238,8 +9035,38 @@
         </p:blipFill>
         <p:spPr>
           <a:xfrm>
-            <a:off x="3621337" y="1823727"/>
-            <a:ext cx="4730232" cy="4134813"/>
+            <a:off x="775045" y="1801169"/>
+            <a:ext cx="5253120" cy="4120094"/>
+          </a:xfrm>
+          <a:prstGeom prst="rect">
+            <a:avLst/>
+          </a:prstGeom>
+        </p:spPr>
+      </p:pic>
+      <p:pic>
+        <p:nvPicPr>
+          <p:cNvPr id="11" name="Picture 10">
+            <a:extLst>
+              <a:ext uri="{FF2B5EF4-FFF2-40B4-BE49-F238E27FC236}">
+                <a16:creationId xmlns:a16="http://schemas.microsoft.com/office/drawing/2014/main" id="{DF870EF3-6984-494E-A2F9-E287022A5DD5}"/>
+              </a:ext>
+            </a:extLst>
+          </p:cNvPr>
+          <p:cNvPicPr>
+            <a:picLocks noChangeAspect="1"/>
+          </p:cNvPicPr>
+          <p:nvPr/>
+        </p:nvPicPr>
+        <p:blipFill>
+          <a:blip r:embed="rId3"/>
+          <a:stretch>
+            <a:fillRect/>
+          </a:stretch>
+        </p:blipFill>
+        <p:spPr>
+          <a:xfrm>
+            <a:off x="6095206" y="2369966"/>
+            <a:ext cx="5253121" cy="3551297"/>
           </a:xfrm>
           <a:prstGeom prst="rect">
             <a:avLst/>
@@ -8249,7 +9076,7 @@
     </p:spTree>
     <p:extLst>
       <p:ext uri="{BB962C8B-B14F-4D97-AF65-F5344CB8AC3E}">
-        <p14:creationId xmlns:p14="http://schemas.microsoft.com/office/powerpoint/2010/main" val="1068677944"/>
+        <p14:creationId xmlns:p14="http://schemas.microsoft.com/office/powerpoint/2010/main" val="2331673480"/>
       </p:ext>
     </p:extLst>
   </p:cSld>
@@ -8762,15 +9589,6 @@
 </file>
 
 <file path=customXml/item1.xml><?xml version="1.0" encoding="utf-8"?>
-<?mso-contentType ?>
-<FormTemplates xmlns="http://schemas.microsoft.com/sharepoint/v3/contenttype/forms">
-  <Display>DocumentLibraryForm</Display>
-  <Edit>DocumentLibraryForm</Edit>
-  <New>DocumentLibraryForm</New>
-</FormTemplates>
-</file>
-
-<file path=customXml/item2.xml><?xml version="1.0" encoding="utf-8"?>
 <p:properties xmlns:p="http://schemas.microsoft.com/office/2006/metadata/properties" xmlns:xsi="http://www.w3.org/2001/XMLSchema-instance" xmlns:pc="http://schemas.microsoft.com/office/infopath/2007/PartnerControls">
   <documentManagement>
     <TaxCatchAll xmlns="1b1d29c6-a309-4658-a5f5-7150c14c22c0" xsi:nil="true"/>
@@ -8779,6 +9597,15 @@
     </lcf76f155ced4ddcb4097134ff3c332f>
   </documentManagement>
 </p:properties>
+</file>
+
+<file path=customXml/item2.xml><?xml version="1.0" encoding="utf-8"?>
+<?mso-contentType ?>
+<FormTemplates xmlns="http://schemas.microsoft.com/sharepoint/v3/contenttype/forms">
+  <Display>DocumentLibraryForm</Display>
+  <Edit>DocumentLibraryForm</Edit>
+  <New>DocumentLibraryForm</New>
+</FormTemplates>
 </file>
 
 <file path=customXml/item3.xml><?xml version="1.0" encoding="utf-8"?>
@@ -9019,14 +9846,6 @@
 </file>
 
 <file path=customXml/itemProps1.xml><?xml version="1.0" encoding="utf-8"?>
-<ds:datastoreItem xmlns:ds="http://schemas.openxmlformats.org/officeDocument/2006/customXml" ds:itemID="{731DC259-59B5-459A-B335-86E4DF64B337}">
-  <ds:schemaRefs>
-    <ds:schemaRef ds:uri="http://schemas.microsoft.com/sharepoint/v3/contenttype/forms"/>
-  </ds:schemaRefs>
-</ds:datastoreItem>
-</file>
-
-<file path=customXml/itemProps2.xml><?xml version="1.0" encoding="utf-8"?>
 <ds:datastoreItem xmlns:ds="http://schemas.openxmlformats.org/officeDocument/2006/customXml" ds:itemID="{83118351-5B25-441D-9890-908C751A3A08}">
   <ds:schemaRefs>
     <ds:schemaRef ds:uri="http://purl.org/dc/elements/1.1/"/>
@@ -9039,6 +9858,14 @@
     <ds:schemaRef ds:uri="http://schemas.openxmlformats.org/package/2006/metadata/core-properties"/>
     <ds:schemaRef ds:uri="1b1d29c6-a309-4658-a5f5-7150c14c22c0"/>
     <ds:schemaRef ds:uri="http://www.w3.org/XML/1998/namespace"/>
+  </ds:schemaRefs>
+</ds:datastoreItem>
+</file>
+
+<file path=customXml/itemProps2.xml><?xml version="1.0" encoding="utf-8"?>
+<ds:datastoreItem xmlns:ds="http://schemas.openxmlformats.org/officeDocument/2006/customXml" ds:itemID="{731DC259-59B5-459A-B335-86E4DF64B337}">
+  <ds:schemaRefs>
+    <ds:schemaRef ds:uri="http://schemas.microsoft.com/sharepoint/v3/contenttype/forms"/>
   </ds:schemaRefs>
 </ds:datastoreItem>
 </file>
